--- a/学考复习/数制及转换.pptx
+++ b/学考复习/数制及转换.pptx
@@ -14,13 +14,14 @@
     <p:sldId id="275" r:id="rId8"/>
     <p:sldId id="264" r:id="rId9"/>
     <p:sldId id="265" r:id="rId10"/>
-    <p:sldId id="270" r:id="rId11"/>
-    <p:sldId id="266" r:id="rId12"/>
-    <p:sldId id="268" r:id="rId13"/>
-    <p:sldId id="269" r:id="rId14"/>
-    <p:sldId id="271" r:id="rId15"/>
-    <p:sldId id="272" r:id="rId16"/>
-    <p:sldId id="273" r:id="rId17"/>
+    <p:sldId id="276" r:id="rId11"/>
+    <p:sldId id="270" r:id="rId12"/>
+    <p:sldId id="266" r:id="rId13"/>
+    <p:sldId id="268" r:id="rId14"/>
+    <p:sldId id="269" r:id="rId15"/>
+    <p:sldId id="271" r:id="rId16"/>
+    <p:sldId id="272" r:id="rId17"/>
+    <p:sldId id="273" r:id="rId18"/>
   </p:sldIdLst>
   <p:sldSz cx="9144000" cy="6858000" type="screen4x3"/>
   <p:notesSz cx="6858000" cy="9144000"/>
@@ -121,7 +122,7 @@
   </p:defaultTextStyle>
   <p:extLst>
     <p:ext uri="{EFAFB233-063F-42B5-8137-9DF3F51BA10A}">
-      <p15:sldGuideLst xmlns:p15="http://schemas.microsoft.com/office/powerpoint/2012/main">
+      <p15:sldGuideLst xmlns:p15="http://schemas.microsoft.com/office/powerpoint/2012/main" xmlns="">
         <p15:guide id="1" orient="horz" pos="2160">
           <p15:clr>
             <a:srgbClr val="A4A3A4"/>
@@ -280,7 +281,8 @@
           <a:p>
             <a:fld id="{530820CF-B880-4189-942D-D702A7CBA730}" type="datetimeFigureOut">
               <a:rPr lang="zh-CN" altLang="en-US" smtClean="0"/>
-              <a:t>2023/4/3</a:t>
+              <a:pPr/>
+              <a:t>2025/3/26 Wednesday</a:t>
             </a:fld>
             <a:endParaRPr lang="zh-CN" altLang="en-US"/>
           </a:p>
@@ -322,6 +324,7 @@
           <a:p>
             <a:fld id="{0C913308-F349-4B6D-A68A-DD1791B4A57B}" type="slidenum">
               <a:rPr lang="zh-CN" altLang="en-US" smtClean="0"/>
+              <a:pPr/>
               <a:t>‹#›</a:t>
             </a:fld>
             <a:endParaRPr lang="zh-CN" altLang="en-US"/>
@@ -331,7 +334,7 @@
     </p:spTree>
     <p:extLst>
       <p:ext uri="{BB962C8B-B14F-4D97-AF65-F5344CB8AC3E}">
-        <p14:creationId xmlns:p14="http://schemas.microsoft.com/office/powerpoint/2010/main" val="2451559766"/>
+        <p14:creationId xmlns:p14="http://schemas.microsoft.com/office/powerpoint/2010/main" xmlns="" val="2451559766"/>
       </p:ext>
     </p:extLst>
   </p:cSld>
@@ -450,7 +453,8 @@
           <a:p>
             <a:fld id="{530820CF-B880-4189-942D-D702A7CBA730}" type="datetimeFigureOut">
               <a:rPr lang="zh-CN" altLang="en-US" smtClean="0"/>
-              <a:t>2023/4/3</a:t>
+              <a:pPr/>
+              <a:t>2025/3/26 Wednesday</a:t>
             </a:fld>
             <a:endParaRPr lang="zh-CN" altLang="en-US"/>
           </a:p>
@@ -492,6 +496,7 @@
           <a:p>
             <a:fld id="{0C913308-F349-4B6D-A68A-DD1791B4A57B}" type="slidenum">
               <a:rPr lang="zh-CN" altLang="en-US" smtClean="0"/>
+              <a:pPr/>
               <a:t>‹#›</a:t>
             </a:fld>
             <a:endParaRPr lang="zh-CN" altLang="en-US"/>
@@ -501,7 +506,7 @@
     </p:spTree>
     <p:extLst>
       <p:ext uri="{BB962C8B-B14F-4D97-AF65-F5344CB8AC3E}">
-        <p14:creationId xmlns:p14="http://schemas.microsoft.com/office/powerpoint/2010/main" val="2209370128"/>
+        <p14:creationId xmlns:p14="http://schemas.microsoft.com/office/powerpoint/2010/main" xmlns="" val="2209370128"/>
       </p:ext>
     </p:extLst>
   </p:cSld>
@@ -630,7 +635,8 @@
           <a:p>
             <a:fld id="{530820CF-B880-4189-942D-D702A7CBA730}" type="datetimeFigureOut">
               <a:rPr lang="zh-CN" altLang="en-US" smtClean="0"/>
-              <a:t>2023/4/3</a:t>
+              <a:pPr/>
+              <a:t>2025/3/26 Wednesday</a:t>
             </a:fld>
             <a:endParaRPr lang="zh-CN" altLang="en-US"/>
           </a:p>
@@ -672,6 +678,7 @@
           <a:p>
             <a:fld id="{0C913308-F349-4B6D-A68A-DD1791B4A57B}" type="slidenum">
               <a:rPr lang="zh-CN" altLang="en-US" smtClean="0"/>
+              <a:pPr/>
               <a:t>‹#›</a:t>
             </a:fld>
             <a:endParaRPr lang="zh-CN" altLang="en-US"/>
@@ -681,7 +688,7 @@
     </p:spTree>
     <p:extLst>
       <p:ext uri="{BB962C8B-B14F-4D97-AF65-F5344CB8AC3E}">
-        <p14:creationId xmlns:p14="http://schemas.microsoft.com/office/powerpoint/2010/main" val="3165130777"/>
+        <p14:creationId xmlns:p14="http://schemas.microsoft.com/office/powerpoint/2010/main" xmlns="" val="3165130777"/>
       </p:ext>
     </p:extLst>
   </p:cSld>
@@ -1485,7 +1492,8 @@
           <a:p>
             <a:fld id="{530820CF-B880-4189-942D-D702A7CBA730}" type="datetimeFigureOut">
               <a:rPr lang="zh-CN" altLang="en-US" smtClean="0"/>
-              <a:t>2023/4/3</a:t>
+              <a:pPr/>
+              <a:t>2025/3/26 Wednesday</a:t>
             </a:fld>
             <a:endParaRPr lang="zh-CN" altLang="en-US"/>
           </a:p>
@@ -1527,6 +1535,7 @@
           <a:p>
             <a:fld id="{0C913308-F349-4B6D-A68A-DD1791B4A57B}" type="slidenum">
               <a:rPr lang="zh-CN" altLang="en-US" smtClean="0"/>
+              <a:pPr/>
               <a:t>‹#›</a:t>
             </a:fld>
             <a:endParaRPr lang="zh-CN" altLang="en-US"/>
@@ -1536,7 +1545,7 @@
     </p:spTree>
     <p:extLst>
       <p:ext uri="{BB962C8B-B14F-4D97-AF65-F5344CB8AC3E}">
-        <p14:creationId xmlns:p14="http://schemas.microsoft.com/office/powerpoint/2010/main" val="2335487211"/>
+        <p14:creationId xmlns:p14="http://schemas.microsoft.com/office/powerpoint/2010/main" xmlns="" val="2335487211"/>
       </p:ext>
     </p:extLst>
   </p:cSld>
@@ -1655,7 +1664,8 @@
           <a:p>
             <a:fld id="{530820CF-B880-4189-942D-D702A7CBA730}" type="datetimeFigureOut">
               <a:rPr lang="zh-CN" altLang="en-US" smtClean="0"/>
-              <a:t>2023/4/3</a:t>
+              <a:pPr/>
+              <a:t>2025/3/26 Wednesday</a:t>
             </a:fld>
             <a:endParaRPr lang="zh-CN" altLang="en-US"/>
           </a:p>
@@ -1697,6 +1707,7 @@
           <a:p>
             <a:fld id="{0C913308-F349-4B6D-A68A-DD1791B4A57B}" type="slidenum">
               <a:rPr lang="zh-CN" altLang="en-US" smtClean="0"/>
+              <a:pPr/>
               <a:t>‹#›</a:t>
             </a:fld>
             <a:endParaRPr lang="zh-CN" altLang="en-US"/>
@@ -1706,7 +1717,7 @@
     </p:spTree>
     <p:extLst>
       <p:ext uri="{BB962C8B-B14F-4D97-AF65-F5344CB8AC3E}">
-        <p14:creationId xmlns:p14="http://schemas.microsoft.com/office/powerpoint/2010/main" val="747080194"/>
+        <p14:creationId xmlns:p14="http://schemas.microsoft.com/office/powerpoint/2010/main" xmlns="" val="747080194"/>
       </p:ext>
     </p:extLst>
   </p:cSld>
@@ -1902,7 +1913,8 @@
           <a:p>
             <a:fld id="{530820CF-B880-4189-942D-D702A7CBA730}" type="datetimeFigureOut">
               <a:rPr lang="zh-CN" altLang="en-US" smtClean="0"/>
-              <a:t>2023/4/3</a:t>
+              <a:pPr/>
+              <a:t>2025/3/26 Wednesday</a:t>
             </a:fld>
             <a:endParaRPr lang="zh-CN" altLang="en-US"/>
           </a:p>
@@ -1944,6 +1956,7 @@
           <a:p>
             <a:fld id="{0C913308-F349-4B6D-A68A-DD1791B4A57B}" type="slidenum">
               <a:rPr lang="zh-CN" altLang="en-US" smtClean="0"/>
+              <a:pPr/>
               <a:t>‹#›</a:t>
             </a:fld>
             <a:endParaRPr lang="zh-CN" altLang="en-US"/>
@@ -1953,7 +1966,7 @@
     </p:spTree>
     <p:extLst>
       <p:ext uri="{BB962C8B-B14F-4D97-AF65-F5344CB8AC3E}">
-        <p14:creationId xmlns:p14="http://schemas.microsoft.com/office/powerpoint/2010/main" val="698839155"/>
+        <p14:creationId xmlns:p14="http://schemas.microsoft.com/office/powerpoint/2010/main" xmlns="" val="698839155"/>
       </p:ext>
     </p:extLst>
   </p:cSld>
@@ -2199,7 +2212,8 @@
           <a:p>
             <a:fld id="{530820CF-B880-4189-942D-D702A7CBA730}" type="datetimeFigureOut">
               <a:rPr lang="zh-CN" altLang="en-US" smtClean="0"/>
-              <a:t>2023/4/3</a:t>
+              <a:pPr/>
+              <a:t>2025/3/26 Wednesday</a:t>
             </a:fld>
             <a:endParaRPr lang="zh-CN" altLang="en-US"/>
           </a:p>
@@ -2241,6 +2255,7 @@
           <a:p>
             <a:fld id="{0C913308-F349-4B6D-A68A-DD1791B4A57B}" type="slidenum">
               <a:rPr lang="zh-CN" altLang="en-US" smtClean="0"/>
+              <a:pPr/>
               <a:t>‹#›</a:t>
             </a:fld>
             <a:endParaRPr lang="zh-CN" altLang="en-US"/>
@@ -2250,7 +2265,7 @@
     </p:spTree>
     <p:extLst>
       <p:ext uri="{BB962C8B-B14F-4D97-AF65-F5344CB8AC3E}">
-        <p14:creationId xmlns:p14="http://schemas.microsoft.com/office/powerpoint/2010/main" val="324581313"/>
+        <p14:creationId xmlns:p14="http://schemas.microsoft.com/office/powerpoint/2010/main" xmlns="" val="324581313"/>
       </p:ext>
     </p:extLst>
   </p:cSld>
@@ -2578,7 +2593,8 @@
           <a:p>
             <a:fld id="{530820CF-B880-4189-942D-D702A7CBA730}" type="datetimeFigureOut">
               <a:rPr lang="zh-CN" altLang="en-US" smtClean="0"/>
-              <a:t>2023/4/3</a:t>
+              <a:pPr/>
+              <a:t>2025/3/26 Wednesday</a:t>
             </a:fld>
             <a:endParaRPr lang="zh-CN" altLang="en-US"/>
           </a:p>
@@ -2620,6 +2636,7 @@
           <a:p>
             <a:fld id="{0C913308-F349-4B6D-A68A-DD1791B4A57B}" type="slidenum">
               <a:rPr lang="zh-CN" altLang="en-US" smtClean="0"/>
+              <a:pPr/>
               <a:t>‹#›</a:t>
             </a:fld>
             <a:endParaRPr lang="zh-CN" altLang="en-US"/>
@@ -2629,7 +2646,7 @@
     </p:spTree>
     <p:extLst>
       <p:ext uri="{BB962C8B-B14F-4D97-AF65-F5344CB8AC3E}">
-        <p14:creationId xmlns:p14="http://schemas.microsoft.com/office/powerpoint/2010/main" val="1963483655"/>
+        <p14:creationId xmlns:p14="http://schemas.microsoft.com/office/powerpoint/2010/main" xmlns="" val="1963483655"/>
       </p:ext>
     </p:extLst>
   </p:cSld>
@@ -2701,7 +2718,8 @@
           <a:p>
             <a:fld id="{530820CF-B880-4189-942D-D702A7CBA730}" type="datetimeFigureOut">
               <a:rPr lang="zh-CN" altLang="en-US" smtClean="0"/>
-              <a:t>2023/4/3</a:t>
+              <a:pPr/>
+              <a:t>2025/3/26 Wednesday</a:t>
             </a:fld>
             <a:endParaRPr lang="zh-CN" altLang="en-US"/>
           </a:p>
@@ -2743,6 +2761,7 @@
           <a:p>
             <a:fld id="{0C913308-F349-4B6D-A68A-DD1791B4A57B}" type="slidenum">
               <a:rPr lang="zh-CN" altLang="en-US" smtClean="0"/>
+              <a:pPr/>
               <a:t>‹#›</a:t>
             </a:fld>
             <a:endParaRPr lang="zh-CN" altLang="en-US"/>
@@ -2752,7 +2771,7 @@
     </p:spTree>
     <p:extLst>
       <p:ext uri="{BB962C8B-B14F-4D97-AF65-F5344CB8AC3E}">
-        <p14:creationId xmlns:p14="http://schemas.microsoft.com/office/powerpoint/2010/main" val="3723037384"/>
+        <p14:creationId xmlns:p14="http://schemas.microsoft.com/office/powerpoint/2010/main" xmlns="" val="3723037384"/>
       </p:ext>
     </p:extLst>
   </p:cSld>
@@ -2796,7 +2815,8 @@
           <a:p>
             <a:fld id="{530820CF-B880-4189-942D-D702A7CBA730}" type="datetimeFigureOut">
               <a:rPr lang="zh-CN" altLang="en-US" smtClean="0"/>
-              <a:t>2023/4/3</a:t>
+              <a:pPr/>
+              <a:t>2025/3/26 Wednesday</a:t>
             </a:fld>
             <a:endParaRPr lang="zh-CN" altLang="en-US"/>
           </a:p>
@@ -2838,6 +2858,7 @@
           <a:p>
             <a:fld id="{0C913308-F349-4B6D-A68A-DD1791B4A57B}" type="slidenum">
               <a:rPr lang="zh-CN" altLang="en-US" smtClean="0"/>
+              <a:pPr/>
               <a:t>‹#›</a:t>
             </a:fld>
             <a:endParaRPr lang="zh-CN" altLang="en-US"/>
@@ -2847,7 +2868,7 @@
     </p:spTree>
     <p:extLst>
       <p:ext uri="{BB962C8B-B14F-4D97-AF65-F5344CB8AC3E}">
-        <p14:creationId xmlns:p14="http://schemas.microsoft.com/office/powerpoint/2010/main" val="1051806114"/>
+        <p14:creationId xmlns:p14="http://schemas.microsoft.com/office/powerpoint/2010/main" xmlns="" val="1051806114"/>
       </p:ext>
     </p:extLst>
   </p:cSld>
@@ -3051,7 +3072,8 @@
           <a:p>
             <a:fld id="{530820CF-B880-4189-942D-D702A7CBA730}" type="datetimeFigureOut">
               <a:rPr lang="zh-CN" altLang="en-US" smtClean="0"/>
-              <a:t>2023/4/3</a:t>
+              <a:pPr/>
+              <a:t>2025/3/26 Wednesday</a:t>
             </a:fld>
             <a:endParaRPr lang="zh-CN" altLang="en-US"/>
           </a:p>
@@ -3093,6 +3115,7 @@
           <a:p>
             <a:fld id="{0C913308-F349-4B6D-A68A-DD1791B4A57B}" type="slidenum">
               <a:rPr lang="zh-CN" altLang="en-US" smtClean="0"/>
+              <a:pPr/>
               <a:t>‹#›</a:t>
             </a:fld>
             <a:endParaRPr lang="zh-CN" altLang="en-US"/>
@@ -3102,7 +3125,7 @@
     </p:spTree>
     <p:extLst>
       <p:ext uri="{BB962C8B-B14F-4D97-AF65-F5344CB8AC3E}">
-        <p14:creationId xmlns:p14="http://schemas.microsoft.com/office/powerpoint/2010/main" val="622600026"/>
+        <p14:creationId xmlns:p14="http://schemas.microsoft.com/office/powerpoint/2010/main" xmlns="" val="622600026"/>
       </p:ext>
     </p:extLst>
   </p:cSld>
@@ -3221,7 +3244,8 @@
           <a:p>
             <a:fld id="{530820CF-B880-4189-942D-D702A7CBA730}" type="datetimeFigureOut">
               <a:rPr lang="zh-CN" altLang="en-US" smtClean="0"/>
-              <a:t>2023/4/3</a:t>
+              <a:pPr/>
+              <a:t>2025/3/26 Wednesday</a:t>
             </a:fld>
             <a:endParaRPr lang="zh-CN" altLang="en-US"/>
           </a:p>
@@ -3263,6 +3287,7 @@
           <a:p>
             <a:fld id="{0C913308-F349-4B6D-A68A-DD1791B4A57B}" type="slidenum">
               <a:rPr lang="zh-CN" altLang="en-US" smtClean="0"/>
+              <a:pPr/>
               <a:t>‹#›</a:t>
             </a:fld>
             <a:endParaRPr lang="zh-CN" altLang="en-US"/>
@@ -3272,7 +3297,7 @@
     </p:spTree>
     <p:extLst>
       <p:ext uri="{BB962C8B-B14F-4D97-AF65-F5344CB8AC3E}">
-        <p14:creationId xmlns:p14="http://schemas.microsoft.com/office/powerpoint/2010/main" val="3712579303"/>
+        <p14:creationId xmlns:p14="http://schemas.microsoft.com/office/powerpoint/2010/main" xmlns="" val="3712579303"/>
       </p:ext>
     </p:extLst>
   </p:cSld>
@@ -3484,7 +3509,8 @@
           <a:p>
             <a:fld id="{530820CF-B880-4189-942D-D702A7CBA730}" type="datetimeFigureOut">
               <a:rPr lang="zh-CN" altLang="en-US" smtClean="0"/>
-              <a:t>2023/4/3</a:t>
+              <a:pPr/>
+              <a:t>2025/3/26 Wednesday</a:t>
             </a:fld>
             <a:endParaRPr lang="zh-CN" altLang="en-US"/>
           </a:p>
@@ -3526,6 +3552,7 @@
           <a:p>
             <a:fld id="{0C913308-F349-4B6D-A68A-DD1791B4A57B}" type="slidenum">
               <a:rPr lang="zh-CN" altLang="en-US" smtClean="0"/>
+              <a:pPr/>
               <a:t>‹#›</a:t>
             </a:fld>
             <a:endParaRPr lang="zh-CN" altLang="en-US"/>
@@ -3535,7 +3562,7 @@
     </p:spTree>
     <p:extLst>
       <p:ext uri="{BB962C8B-B14F-4D97-AF65-F5344CB8AC3E}">
-        <p14:creationId xmlns:p14="http://schemas.microsoft.com/office/powerpoint/2010/main" val="3797209257"/>
+        <p14:creationId xmlns:p14="http://schemas.microsoft.com/office/powerpoint/2010/main" xmlns="" val="3797209257"/>
       </p:ext>
     </p:extLst>
   </p:cSld>
@@ -3735,7 +3762,8 @@
           <a:p>
             <a:fld id="{530820CF-B880-4189-942D-D702A7CBA730}" type="datetimeFigureOut">
               <a:rPr lang="zh-CN" altLang="en-US" smtClean="0"/>
-              <a:t>2023/4/3</a:t>
+              <a:pPr/>
+              <a:t>2025/3/26 Wednesday</a:t>
             </a:fld>
             <a:endParaRPr lang="zh-CN" altLang="en-US"/>
           </a:p>
@@ -3777,6 +3805,7 @@
           <a:p>
             <a:fld id="{0C913308-F349-4B6D-A68A-DD1791B4A57B}" type="slidenum">
               <a:rPr lang="zh-CN" altLang="en-US" smtClean="0"/>
+              <a:pPr/>
               <a:t>‹#›</a:t>
             </a:fld>
             <a:endParaRPr lang="zh-CN" altLang="en-US"/>
@@ -3786,7 +3815,7 @@
     </p:spTree>
     <p:extLst>
       <p:ext uri="{BB962C8B-B14F-4D97-AF65-F5344CB8AC3E}">
-        <p14:creationId xmlns:p14="http://schemas.microsoft.com/office/powerpoint/2010/main" val="3618149826"/>
+        <p14:creationId xmlns:p14="http://schemas.microsoft.com/office/powerpoint/2010/main" xmlns="" val="3618149826"/>
       </p:ext>
     </p:extLst>
   </p:cSld>
@@ -4049,7 +4078,8 @@
           <a:p>
             <a:fld id="{530820CF-B880-4189-942D-D702A7CBA730}" type="datetimeFigureOut">
               <a:rPr lang="zh-CN" altLang="en-US" smtClean="0"/>
-              <a:t>2023/4/3</a:t>
+              <a:pPr/>
+              <a:t>2025/3/26 Wednesday</a:t>
             </a:fld>
             <a:endParaRPr lang="zh-CN" altLang="en-US"/>
           </a:p>
@@ -4091,6 +4121,7 @@
           <a:p>
             <a:fld id="{0C913308-F349-4B6D-A68A-DD1791B4A57B}" type="slidenum">
               <a:rPr lang="zh-CN" altLang="en-US" smtClean="0"/>
+              <a:pPr/>
               <a:t>‹#›</a:t>
             </a:fld>
             <a:endParaRPr lang="zh-CN" altLang="en-US"/>
@@ -4182,7 +4213,7 @@
     </p:spTree>
     <p:extLst>
       <p:ext uri="{BB962C8B-B14F-4D97-AF65-F5344CB8AC3E}">
-        <p14:creationId xmlns:p14="http://schemas.microsoft.com/office/powerpoint/2010/main" val="1008470497"/>
+        <p14:creationId xmlns:p14="http://schemas.microsoft.com/office/powerpoint/2010/main" xmlns="" val="1008470497"/>
       </p:ext>
     </p:extLst>
   </p:cSld>
@@ -4382,7 +4413,8 @@
           <a:p>
             <a:fld id="{530820CF-B880-4189-942D-D702A7CBA730}" type="datetimeFigureOut">
               <a:rPr lang="zh-CN" altLang="en-US" smtClean="0"/>
-              <a:t>2023/4/3</a:t>
+              <a:pPr/>
+              <a:t>2025/3/26 Wednesday</a:t>
             </a:fld>
             <a:endParaRPr lang="zh-CN" altLang="en-US"/>
           </a:p>
@@ -4424,6 +4456,7 @@
           <a:p>
             <a:fld id="{0C913308-F349-4B6D-A68A-DD1791B4A57B}" type="slidenum">
               <a:rPr lang="zh-CN" altLang="en-US" smtClean="0"/>
+              <a:pPr/>
               <a:t>‹#›</a:t>
             </a:fld>
             <a:endParaRPr lang="zh-CN" altLang="en-US"/>
@@ -4433,7 +4466,7 @@
     </p:spTree>
     <p:extLst>
       <p:ext uri="{BB962C8B-B14F-4D97-AF65-F5344CB8AC3E}">
-        <p14:creationId xmlns:p14="http://schemas.microsoft.com/office/powerpoint/2010/main" val="2333013130"/>
+        <p14:creationId xmlns:p14="http://schemas.microsoft.com/office/powerpoint/2010/main" xmlns="" val="2333013130"/>
       </p:ext>
     </p:extLst>
   </p:cSld>
@@ -4696,7 +4729,8 @@
           <a:p>
             <a:fld id="{530820CF-B880-4189-942D-D702A7CBA730}" type="datetimeFigureOut">
               <a:rPr lang="zh-CN" altLang="en-US" smtClean="0"/>
-              <a:t>2023/4/3</a:t>
+              <a:pPr/>
+              <a:t>2025/3/26 Wednesday</a:t>
             </a:fld>
             <a:endParaRPr lang="zh-CN" altLang="en-US"/>
           </a:p>
@@ -4738,6 +4772,7 @@
           <a:p>
             <a:fld id="{0C913308-F349-4B6D-A68A-DD1791B4A57B}" type="slidenum">
               <a:rPr lang="zh-CN" altLang="en-US" smtClean="0"/>
+              <a:pPr/>
               <a:t>‹#›</a:t>
             </a:fld>
             <a:endParaRPr lang="zh-CN" altLang="en-US"/>
@@ -4829,7 +4864,7 @@
     </p:spTree>
     <p:extLst>
       <p:ext uri="{BB962C8B-B14F-4D97-AF65-F5344CB8AC3E}">
-        <p14:creationId xmlns:p14="http://schemas.microsoft.com/office/powerpoint/2010/main" val="52934276"/>
+        <p14:creationId xmlns:p14="http://schemas.microsoft.com/office/powerpoint/2010/main" xmlns="" val="52934276"/>
       </p:ext>
     </p:extLst>
   </p:cSld>
@@ -5089,7 +5124,8 @@
           <a:p>
             <a:fld id="{530820CF-B880-4189-942D-D702A7CBA730}" type="datetimeFigureOut">
               <a:rPr lang="zh-CN" altLang="en-US" smtClean="0"/>
-              <a:t>2023/4/3</a:t>
+              <a:pPr/>
+              <a:t>2025/3/26 Wednesday</a:t>
             </a:fld>
             <a:endParaRPr lang="zh-CN" altLang="en-US"/>
           </a:p>
@@ -5131,6 +5167,7 @@
           <a:p>
             <a:fld id="{0C913308-F349-4B6D-A68A-DD1791B4A57B}" type="slidenum">
               <a:rPr lang="zh-CN" altLang="en-US" smtClean="0"/>
+              <a:pPr/>
               <a:t>‹#›</a:t>
             </a:fld>
             <a:endParaRPr lang="zh-CN" altLang="en-US"/>
@@ -5140,7 +5177,7 @@
     </p:spTree>
     <p:extLst>
       <p:ext uri="{BB962C8B-B14F-4D97-AF65-F5344CB8AC3E}">
-        <p14:creationId xmlns:p14="http://schemas.microsoft.com/office/powerpoint/2010/main" val="442461777"/>
+        <p14:creationId xmlns:p14="http://schemas.microsoft.com/office/powerpoint/2010/main" xmlns="" val="442461777"/>
       </p:ext>
     </p:extLst>
   </p:cSld>
@@ -5259,7 +5296,8 @@
           <a:p>
             <a:fld id="{530820CF-B880-4189-942D-D702A7CBA730}" type="datetimeFigureOut">
               <a:rPr lang="zh-CN" altLang="en-US" smtClean="0"/>
-              <a:t>2023/4/3</a:t>
+              <a:pPr/>
+              <a:t>2025/3/26 Wednesday</a:t>
             </a:fld>
             <a:endParaRPr lang="zh-CN" altLang="en-US"/>
           </a:p>
@@ -5301,6 +5339,7 @@
           <a:p>
             <a:fld id="{0C913308-F349-4B6D-A68A-DD1791B4A57B}" type="slidenum">
               <a:rPr lang="zh-CN" altLang="en-US" smtClean="0"/>
+              <a:pPr/>
               <a:t>‹#›</a:t>
             </a:fld>
             <a:endParaRPr lang="zh-CN" altLang="en-US"/>
@@ -5310,7 +5349,7 @@
     </p:spTree>
     <p:extLst>
       <p:ext uri="{BB962C8B-B14F-4D97-AF65-F5344CB8AC3E}">
-        <p14:creationId xmlns:p14="http://schemas.microsoft.com/office/powerpoint/2010/main" val="52119672"/>
+        <p14:creationId xmlns:p14="http://schemas.microsoft.com/office/powerpoint/2010/main" xmlns="" val="52119672"/>
       </p:ext>
     </p:extLst>
   </p:cSld>
@@ -5439,7 +5478,8 @@
           <a:p>
             <a:fld id="{530820CF-B880-4189-942D-D702A7CBA730}" type="datetimeFigureOut">
               <a:rPr lang="zh-CN" altLang="en-US" smtClean="0"/>
-              <a:t>2023/4/3</a:t>
+              <a:pPr/>
+              <a:t>2025/3/26 Wednesday</a:t>
             </a:fld>
             <a:endParaRPr lang="zh-CN" altLang="en-US"/>
           </a:p>
@@ -5481,6 +5521,7 @@
           <a:p>
             <a:fld id="{0C913308-F349-4B6D-A68A-DD1791B4A57B}" type="slidenum">
               <a:rPr lang="zh-CN" altLang="en-US" smtClean="0"/>
+              <a:pPr/>
               <a:t>‹#›</a:t>
             </a:fld>
             <a:endParaRPr lang="zh-CN" altLang="en-US"/>
@@ -5490,7 +5531,7 @@
     </p:spTree>
     <p:extLst>
       <p:ext uri="{BB962C8B-B14F-4D97-AF65-F5344CB8AC3E}">
-        <p14:creationId xmlns:p14="http://schemas.microsoft.com/office/powerpoint/2010/main" val="2878402386"/>
+        <p14:creationId xmlns:p14="http://schemas.microsoft.com/office/powerpoint/2010/main" xmlns="" val="2878402386"/>
       </p:ext>
     </p:extLst>
   </p:cSld>
@@ -5690,7 +5731,8 @@
           <a:p>
             <a:fld id="{530820CF-B880-4189-942D-D702A7CBA730}" type="datetimeFigureOut">
               <a:rPr lang="zh-CN" altLang="en-US" smtClean="0"/>
-              <a:t>2023/4/3</a:t>
+              <a:pPr/>
+              <a:t>2025/3/26 Wednesday</a:t>
             </a:fld>
             <a:endParaRPr lang="zh-CN" altLang="en-US"/>
           </a:p>
@@ -5732,6 +5774,7 @@
           <a:p>
             <a:fld id="{0C913308-F349-4B6D-A68A-DD1791B4A57B}" type="slidenum">
               <a:rPr lang="zh-CN" altLang="en-US" smtClean="0"/>
+              <a:pPr/>
               <a:t>‹#›</a:t>
             </a:fld>
             <a:endParaRPr lang="zh-CN" altLang="en-US"/>
@@ -5741,7 +5784,7 @@
     </p:spTree>
     <p:extLst>
       <p:ext uri="{BB962C8B-B14F-4D97-AF65-F5344CB8AC3E}">
-        <p14:creationId xmlns:p14="http://schemas.microsoft.com/office/powerpoint/2010/main" val="1723646243"/>
+        <p14:creationId xmlns:p14="http://schemas.microsoft.com/office/powerpoint/2010/main" xmlns="" val="1723646243"/>
       </p:ext>
     </p:extLst>
   </p:cSld>
@@ -5922,7 +5965,8 @@
           <a:p>
             <a:fld id="{530820CF-B880-4189-942D-D702A7CBA730}" type="datetimeFigureOut">
               <a:rPr lang="zh-CN" altLang="en-US" smtClean="0"/>
-              <a:t>2023/4/3</a:t>
+              <a:pPr/>
+              <a:t>2025/3/26 Wednesday</a:t>
             </a:fld>
             <a:endParaRPr lang="zh-CN" altLang="en-US"/>
           </a:p>
@@ -5964,6 +6008,7 @@
           <a:p>
             <a:fld id="{0C913308-F349-4B6D-A68A-DD1791B4A57B}" type="slidenum">
               <a:rPr lang="zh-CN" altLang="en-US" smtClean="0"/>
+              <a:pPr/>
               <a:t>‹#›</a:t>
             </a:fld>
             <a:endParaRPr lang="zh-CN" altLang="en-US"/>
@@ -5973,7 +6018,7 @@
     </p:spTree>
     <p:extLst>
       <p:ext uri="{BB962C8B-B14F-4D97-AF65-F5344CB8AC3E}">
-        <p14:creationId xmlns:p14="http://schemas.microsoft.com/office/powerpoint/2010/main" val="3631179693"/>
+        <p14:creationId xmlns:p14="http://schemas.microsoft.com/office/powerpoint/2010/main" xmlns="" val="3631179693"/>
       </p:ext>
     </p:extLst>
   </p:cSld>
@@ -6269,7 +6314,8 @@
           <a:p>
             <a:fld id="{530820CF-B880-4189-942D-D702A7CBA730}" type="datetimeFigureOut">
               <a:rPr lang="zh-CN" altLang="en-US" smtClean="0"/>
-              <a:t>2023/4/3</a:t>
+              <a:pPr/>
+              <a:t>2025/3/26 Wednesday</a:t>
             </a:fld>
             <a:endParaRPr lang="zh-CN" altLang="en-US"/>
           </a:p>
@@ -6311,6 +6357,7 @@
           <a:p>
             <a:fld id="{0C913308-F349-4B6D-A68A-DD1791B4A57B}" type="slidenum">
               <a:rPr lang="zh-CN" altLang="en-US" smtClean="0"/>
+              <a:pPr/>
               <a:t>‹#›</a:t>
             </a:fld>
             <a:endParaRPr lang="zh-CN" altLang="en-US"/>
@@ -6343,7 +6390,7 @@
     </p:spTree>
     <p:extLst>
       <p:ext uri="{BB962C8B-B14F-4D97-AF65-F5344CB8AC3E}">
-        <p14:creationId xmlns:p14="http://schemas.microsoft.com/office/powerpoint/2010/main" val="2172498440"/>
+        <p14:creationId xmlns:p14="http://schemas.microsoft.com/office/powerpoint/2010/main" xmlns="" val="2172498440"/>
       </p:ext>
     </p:extLst>
   </p:cSld>
@@ -6387,7 +6434,8 @@
           <a:p>
             <a:fld id="{530820CF-B880-4189-942D-D702A7CBA730}" type="datetimeFigureOut">
               <a:rPr lang="zh-CN" altLang="en-US" smtClean="0"/>
-              <a:t>2023/4/3</a:t>
+              <a:pPr/>
+              <a:t>2025/3/26 Wednesday</a:t>
             </a:fld>
             <a:endParaRPr lang="zh-CN" altLang="en-US"/>
           </a:p>
@@ -6429,6 +6477,7 @@
           <a:p>
             <a:fld id="{0C913308-F349-4B6D-A68A-DD1791B4A57B}" type="slidenum">
               <a:rPr lang="zh-CN" altLang="en-US" smtClean="0"/>
+              <a:pPr/>
               <a:t>‹#›</a:t>
             </a:fld>
             <a:endParaRPr lang="zh-CN" altLang="en-US"/>
@@ -6461,7 +6510,7 @@
     </p:spTree>
     <p:extLst>
       <p:ext uri="{BB962C8B-B14F-4D97-AF65-F5344CB8AC3E}">
-        <p14:creationId xmlns:p14="http://schemas.microsoft.com/office/powerpoint/2010/main" val="1916883455"/>
+        <p14:creationId xmlns:p14="http://schemas.microsoft.com/office/powerpoint/2010/main" xmlns="" val="1916883455"/>
       </p:ext>
     </p:extLst>
   </p:cSld>
@@ -6505,7 +6554,8 @@
           <a:p>
             <a:fld id="{530820CF-B880-4189-942D-D702A7CBA730}" type="datetimeFigureOut">
               <a:rPr lang="zh-CN" altLang="en-US" smtClean="0"/>
-              <a:t>2023/4/3</a:t>
+              <a:pPr/>
+              <a:t>2025/3/26 Wednesday</a:t>
             </a:fld>
             <a:endParaRPr lang="zh-CN" altLang="en-US"/>
           </a:p>
@@ -6547,6 +6597,7 @@
           <a:p>
             <a:fld id="{0C913308-F349-4B6D-A68A-DD1791B4A57B}" type="slidenum">
               <a:rPr lang="zh-CN" altLang="en-US" smtClean="0"/>
+              <a:pPr/>
               <a:t>‹#›</a:t>
             </a:fld>
             <a:endParaRPr lang="zh-CN" altLang="en-US"/>
@@ -6556,7 +6607,7 @@
     </p:spTree>
     <p:extLst>
       <p:ext uri="{BB962C8B-B14F-4D97-AF65-F5344CB8AC3E}">
-        <p14:creationId xmlns:p14="http://schemas.microsoft.com/office/powerpoint/2010/main" val="3060510770"/>
+        <p14:creationId xmlns:p14="http://schemas.microsoft.com/office/powerpoint/2010/main" xmlns="" val="3060510770"/>
       </p:ext>
     </p:extLst>
   </p:cSld>
@@ -6789,7 +6840,8 @@
           <a:p>
             <a:fld id="{530820CF-B880-4189-942D-D702A7CBA730}" type="datetimeFigureOut">
               <a:rPr lang="zh-CN" altLang="en-US" smtClean="0"/>
-              <a:t>2023/4/3</a:t>
+              <a:pPr/>
+              <a:t>2025/3/26 Wednesday</a:t>
             </a:fld>
             <a:endParaRPr lang="zh-CN" altLang="en-US"/>
           </a:p>
@@ -6831,6 +6883,7 @@
           <a:p>
             <a:fld id="{0C913308-F349-4B6D-A68A-DD1791B4A57B}" type="slidenum">
               <a:rPr lang="zh-CN" altLang="en-US" smtClean="0"/>
+              <a:pPr/>
               <a:t>‹#›</a:t>
             </a:fld>
             <a:endParaRPr lang="zh-CN" altLang="en-US"/>
@@ -6840,7 +6893,7 @@
     </p:spTree>
     <p:extLst>
       <p:ext uri="{BB962C8B-B14F-4D97-AF65-F5344CB8AC3E}">
-        <p14:creationId xmlns:p14="http://schemas.microsoft.com/office/powerpoint/2010/main" val="3020293664"/>
+        <p14:creationId xmlns:p14="http://schemas.microsoft.com/office/powerpoint/2010/main" xmlns="" val="3020293664"/>
       </p:ext>
     </p:extLst>
   </p:cSld>
@@ -7053,7 +7106,8 @@
           <a:p>
             <a:fld id="{530820CF-B880-4189-942D-D702A7CBA730}" type="datetimeFigureOut">
               <a:rPr lang="zh-CN" altLang="en-US" smtClean="0"/>
-              <a:t>2023/4/3</a:t>
+              <a:pPr/>
+              <a:t>2025/3/26 Wednesday</a:t>
             </a:fld>
             <a:endParaRPr lang="zh-CN" altLang="en-US"/>
           </a:p>
@@ -7095,6 +7149,7 @@
           <a:p>
             <a:fld id="{0C913308-F349-4B6D-A68A-DD1791B4A57B}" type="slidenum">
               <a:rPr lang="zh-CN" altLang="en-US" smtClean="0"/>
+              <a:pPr/>
               <a:t>‹#›</a:t>
             </a:fld>
             <a:endParaRPr lang="zh-CN" altLang="en-US"/>
@@ -7104,7 +7159,7 @@
     </p:spTree>
     <p:extLst>
       <p:ext uri="{BB962C8B-B14F-4D97-AF65-F5344CB8AC3E}">
-        <p14:creationId xmlns:p14="http://schemas.microsoft.com/office/powerpoint/2010/main" val="1798256952"/>
+        <p14:creationId xmlns:p14="http://schemas.microsoft.com/office/powerpoint/2010/main" xmlns="" val="1798256952"/>
       </p:ext>
     </p:extLst>
   </p:cSld>
@@ -7267,7 +7322,8 @@
           <a:p>
             <a:fld id="{530820CF-B880-4189-942D-D702A7CBA730}" type="datetimeFigureOut">
               <a:rPr lang="zh-CN" altLang="en-US" smtClean="0"/>
-              <a:t>2023/4/3</a:t>
+              <a:pPr/>
+              <a:t>2025/3/26 Wednesday</a:t>
             </a:fld>
             <a:endParaRPr lang="zh-CN" altLang="en-US"/>
           </a:p>
@@ -7346,6 +7402,7 @@
           <a:p>
             <a:fld id="{0C913308-F349-4B6D-A68A-DD1791B4A57B}" type="slidenum">
               <a:rPr lang="zh-CN" altLang="en-US" smtClean="0"/>
+              <a:pPr/>
               <a:t>‹#›</a:t>
             </a:fld>
             <a:endParaRPr lang="zh-CN" altLang="en-US"/>
@@ -7355,7 +7412,7 @@
     </p:spTree>
     <p:extLst>
       <p:ext uri="{BB962C8B-B14F-4D97-AF65-F5344CB8AC3E}">
-        <p14:creationId xmlns:p14="http://schemas.microsoft.com/office/powerpoint/2010/main" val="1219770067"/>
+        <p14:creationId xmlns:p14="http://schemas.microsoft.com/office/powerpoint/2010/main" xmlns="" val="1219770067"/>
       </p:ext>
     </p:extLst>
   </p:cSld>
@@ -8397,7 +8454,8 @@
           <a:p>
             <a:fld id="{530820CF-B880-4189-942D-D702A7CBA730}" type="datetimeFigureOut">
               <a:rPr lang="zh-CN" altLang="en-US" smtClean="0"/>
-              <a:t>2023/4/3</a:t>
+              <a:pPr/>
+              <a:t>2025/3/26 Wednesday</a:t>
             </a:fld>
             <a:endParaRPr lang="zh-CN" altLang="en-US"/>
           </a:p>
@@ -8473,6 +8531,7 @@
           <a:p>
             <a:fld id="{0C913308-F349-4B6D-A68A-DD1791B4A57B}" type="slidenum">
               <a:rPr lang="zh-CN" altLang="en-US" smtClean="0"/>
+              <a:pPr/>
               <a:t>‹#›</a:t>
             </a:fld>
             <a:endParaRPr lang="zh-CN" altLang="en-US"/>
@@ -8482,7 +8541,7 @@
     </p:spTree>
     <p:extLst>
       <p:ext uri="{BB962C8B-B14F-4D97-AF65-F5344CB8AC3E}">
-        <p14:creationId xmlns:p14="http://schemas.microsoft.com/office/powerpoint/2010/main" val="3570946563"/>
+        <p14:creationId xmlns:p14="http://schemas.microsoft.com/office/powerpoint/2010/main" xmlns="" val="3570946563"/>
       </p:ext>
     </p:extLst>
   </p:cSld>
@@ -8926,7 +8985,7 @@
           <p:cNvPr id="2" name="标题 1">
             <a:extLst>
               <a:ext uri="{FF2B5EF4-FFF2-40B4-BE49-F238E27FC236}">
-                <a16:creationId xmlns:a16="http://schemas.microsoft.com/office/drawing/2014/main" id="{9CEAAA23-F066-43C5-9BD1-DAC5184B0067}"/>
+                <a16:creationId xmlns:a16="http://schemas.microsoft.com/office/drawing/2014/main" xmlns="" id="{9CEAAA23-F066-43C5-9BD1-DAC5184B0067}"/>
               </a:ext>
             </a:extLst>
           </p:cNvPr>
@@ -8954,7 +9013,7 @@
           <p:cNvPr id="3" name="副标题 2">
             <a:extLst>
               <a:ext uri="{FF2B5EF4-FFF2-40B4-BE49-F238E27FC236}">
-                <a16:creationId xmlns:a16="http://schemas.microsoft.com/office/drawing/2014/main" id="{6D419409-B866-45A3-9537-61E13B893FD6}"/>
+                <a16:creationId xmlns:a16="http://schemas.microsoft.com/office/drawing/2014/main" xmlns="" id="{6D419409-B866-45A3-9537-61E13B893FD6}"/>
               </a:ext>
             </a:extLst>
           </p:cNvPr>
@@ -8980,13 +9039,20 @@
     </p:spTree>
     <p:extLst>
       <p:ext uri="{BB962C8B-B14F-4D97-AF65-F5344CB8AC3E}">
-        <p14:creationId xmlns:p14="http://schemas.microsoft.com/office/powerpoint/2010/main" val="3976268452"/>
+        <p14:creationId xmlns:p14="http://schemas.microsoft.com/office/powerpoint/2010/main" xmlns="" val="3976268452"/>
       </p:ext>
     </p:extLst>
   </p:cSld>
   <p:clrMapOvr>
     <a:masterClrMapping/>
   </p:clrMapOvr>
+  <p:timing>
+    <p:tnLst>
+      <p:par>
+        <p:cTn id="1" dur="indefinite" restart="never" nodeType="tmRoot"/>
+      </p:par>
+    </p:tnLst>
+  </p:timing>
 </p:sld>
 </file>
 
@@ -9012,7 +9078,7 @@
           <p:cNvPr id="2" name="标题 1">
             <a:extLst>
               <a:ext uri="{FF2B5EF4-FFF2-40B4-BE49-F238E27FC236}">
-                <a16:creationId xmlns:a16="http://schemas.microsoft.com/office/drawing/2014/main" id="{467704DB-F427-4465-81FD-67031BB86177}"/>
+                <a16:creationId xmlns:a16="http://schemas.microsoft.com/office/drawing/2014/main" xmlns="" id="{0755B126-1D1E-42D4-866D-74A224646211}"/>
               </a:ext>
             </a:extLst>
           </p:cNvPr>
@@ -9029,12 +9095,8 @@
           <a:lstStyle/>
           <a:p>
             <a:r>
-              <a:rPr lang="en-US" altLang="zh-CN" dirty="0"/>
-              <a:t>8421</a:t>
-            </a:r>
-            <a:r>
               <a:rPr lang="zh-CN" altLang="en-US" dirty="0"/>
-              <a:t>规则</a:t>
+              <a:t>练习</a:t>
             </a:r>
           </a:p>
         </p:txBody>
@@ -9044,7 +9106,204 @@
           <p:cNvPr id="3" name="内容占位符 2">
             <a:extLst>
               <a:ext uri="{FF2B5EF4-FFF2-40B4-BE49-F238E27FC236}">
-                <a16:creationId xmlns:a16="http://schemas.microsoft.com/office/drawing/2014/main" id="{B32F0FE7-4AA3-4945-9DB0-3B1F80C0F3B3}"/>
+                <a16:creationId xmlns:a16="http://schemas.microsoft.com/office/drawing/2014/main" xmlns="" id="{1A87D349-4A90-422D-96AF-60CCC417863D}"/>
+              </a:ext>
+            </a:extLst>
+          </p:cNvPr>
+          <p:cNvSpPr>
+            <a:spLocks noGrp="1"/>
+          </p:cNvSpPr>
+          <p:nvPr>
+            <p:ph idx="1"/>
+          </p:nvPr>
+        </p:nvSpPr>
+        <p:spPr>
+          <a:xfrm>
+            <a:off x="609599" y="2160591"/>
+            <a:ext cx="6347714" cy="2132506"/>
+          </a:xfrm>
+        </p:spPr>
+        <p:txBody>
+          <a:bodyPr/>
+          <a:lstStyle/>
+          <a:p>
+            <a:r>
+              <a:rPr lang="zh-CN" altLang="en-US" sz="2000" b="1" dirty="0"/>
+              <a:t>将下列式子按权展开，并转换为十进制数</a:t>
+            </a:r>
+          </a:p>
+          <a:p>
+            <a:r>
+              <a:rPr lang="zh-CN" altLang="en-US" sz="2000" dirty="0"/>
+              <a:t>（</a:t>
+            </a:r>
+            <a:r>
+              <a:rPr lang="en-US" altLang="zh-CN" sz="2000" dirty="0"/>
+              <a:t>111001</a:t>
+            </a:r>
+            <a:r>
+              <a:rPr lang="zh-CN" altLang="en-US" sz="2000" dirty="0"/>
+              <a:t>）</a:t>
+            </a:r>
+            <a:r>
+              <a:rPr lang="en-US" altLang="zh-CN" sz="2000" baseline="-25000" dirty="0"/>
+              <a:t>2  </a:t>
+            </a:r>
+            <a:r>
+              <a:rPr lang="en-US" altLang="zh-CN" sz="2000" dirty="0"/>
+              <a:t>=</a:t>
+            </a:r>
+            <a:r>
+              <a:rPr lang="zh-CN" altLang="en-US" sz="2000" dirty="0"/>
+              <a:t>（    ）</a:t>
+            </a:r>
+            <a:r>
+              <a:rPr lang="en-US" altLang="zh-CN" sz="2000" baseline="-25000" dirty="0"/>
+              <a:t>10</a:t>
+            </a:r>
+            <a:endParaRPr lang="zh-CN" altLang="en-US" sz="2000" baseline="-25000" dirty="0"/>
+          </a:p>
+          <a:p>
+            <a:r>
+              <a:rPr lang="zh-CN" altLang="en-US" sz="2000" dirty="0"/>
+              <a:t>（</a:t>
+            </a:r>
+            <a:r>
+              <a:rPr lang="en-US" altLang="zh-CN" sz="2000" dirty="0"/>
+              <a:t>4A</a:t>
+            </a:r>
+            <a:r>
+              <a:rPr lang="zh-CN" altLang="en-US" sz="2000" dirty="0"/>
+              <a:t>）</a:t>
+            </a:r>
+            <a:r>
+              <a:rPr lang="en-US" altLang="zh-CN" sz="2000" baseline="-25000" dirty="0"/>
+              <a:t>16          </a:t>
+            </a:r>
+            <a:r>
+              <a:rPr lang="en-US" altLang="zh-CN" sz="2000" dirty="0"/>
+              <a:t>=</a:t>
+            </a:r>
+            <a:r>
+              <a:rPr lang="zh-CN" altLang="en-US" sz="2000" dirty="0"/>
+              <a:t>（    ）</a:t>
+            </a:r>
+            <a:r>
+              <a:rPr lang="en-US" altLang="zh-CN" sz="2000" baseline="-25000" dirty="0"/>
+              <a:t>10</a:t>
+            </a:r>
+            <a:endParaRPr lang="zh-CN" altLang="en-US" sz="2000" baseline="-25000" dirty="0"/>
+          </a:p>
+          <a:p>
+            <a:r>
+              <a:rPr lang="zh-CN" altLang="en-US" sz="2000" dirty="0"/>
+              <a:t>（</a:t>
+            </a:r>
+            <a:r>
+              <a:rPr lang="en-US" altLang="zh-CN" sz="2000" dirty="0"/>
+              <a:t>345</a:t>
+            </a:r>
+            <a:r>
+              <a:rPr lang="zh-CN" altLang="en-US" sz="2000" dirty="0"/>
+              <a:t>）</a:t>
+            </a:r>
+            <a:r>
+              <a:rPr lang="en-US" altLang="zh-CN" sz="2000" baseline="-25000" dirty="0"/>
+              <a:t>8         </a:t>
+            </a:r>
+            <a:r>
+              <a:rPr lang="en-US" altLang="zh-CN" sz="2000" dirty="0"/>
+              <a:t>=</a:t>
+            </a:r>
+            <a:r>
+              <a:rPr lang="zh-CN" altLang="en-US" sz="2000" dirty="0"/>
+              <a:t>（    ）</a:t>
+            </a:r>
+            <a:r>
+              <a:rPr lang="en-US" altLang="zh-CN" sz="2000" baseline="-25000" dirty="0"/>
+              <a:t>10</a:t>
+            </a:r>
+          </a:p>
+          <a:p>
+            <a:endParaRPr lang="zh-CN" altLang="en-US" dirty="0"/>
+          </a:p>
+        </p:txBody>
+      </p:sp>
+    </p:spTree>
+    <p:extLst>
+      <p:ext uri="{BB962C8B-B14F-4D97-AF65-F5344CB8AC3E}">
+        <p14:creationId xmlns:p14="http://schemas.microsoft.com/office/powerpoint/2010/main" xmlns="" val="1244289679"/>
+      </p:ext>
+    </p:extLst>
+  </p:cSld>
+  <p:clrMapOvr>
+    <a:masterClrMapping/>
+  </p:clrMapOvr>
+  <p:timing>
+    <p:tnLst>
+      <p:par>
+        <p:cTn id="1" dur="indefinite" restart="never" nodeType="tmRoot"/>
+      </p:par>
+    </p:tnLst>
+  </p:timing>
+</p:sld>
+</file>
+
+<file path=ppt/slides/slide11.xml><?xml version="1.0" encoding="utf-8"?>
+<p:sld xmlns:a="http://schemas.openxmlformats.org/drawingml/2006/main" xmlns:r="http://schemas.openxmlformats.org/officeDocument/2006/relationships" xmlns:p="http://schemas.openxmlformats.org/presentationml/2006/main">
+  <p:cSld>
+    <p:spTree>
+      <p:nvGrpSpPr>
+        <p:cNvPr id="1" name=""/>
+        <p:cNvGrpSpPr/>
+        <p:nvPr/>
+      </p:nvGrpSpPr>
+      <p:grpSpPr>
+        <a:xfrm>
+          <a:off x="0" y="0"/>
+          <a:ext cx="0" cy="0"/>
+          <a:chOff x="0" y="0"/>
+          <a:chExt cx="0" cy="0"/>
+        </a:xfrm>
+      </p:grpSpPr>
+      <p:sp>
+        <p:nvSpPr>
+          <p:cNvPr id="2" name="标题 1">
+            <a:extLst>
+              <a:ext uri="{FF2B5EF4-FFF2-40B4-BE49-F238E27FC236}">
+                <a16:creationId xmlns:a16="http://schemas.microsoft.com/office/drawing/2014/main" xmlns="" id="{467704DB-F427-4465-81FD-67031BB86177}"/>
+              </a:ext>
+            </a:extLst>
+          </p:cNvPr>
+          <p:cNvSpPr>
+            <a:spLocks noGrp="1"/>
+          </p:cNvSpPr>
+          <p:nvPr>
+            <p:ph type="title"/>
+          </p:nvPr>
+        </p:nvSpPr>
+        <p:spPr/>
+        <p:txBody>
+          <a:bodyPr/>
+          <a:lstStyle/>
+          <a:p>
+            <a:r>
+              <a:rPr lang="en-US" altLang="zh-CN" dirty="0"/>
+              <a:t>8421</a:t>
+            </a:r>
+            <a:r>
+              <a:rPr lang="zh-CN" altLang="en-US" dirty="0"/>
+              <a:t>规则</a:t>
+            </a:r>
+          </a:p>
+        </p:txBody>
+      </p:sp>
+      <p:sp>
+        <p:nvSpPr>
+          <p:cNvPr id="3" name="内容占位符 2">
+            <a:extLst>
+              <a:ext uri="{FF2B5EF4-FFF2-40B4-BE49-F238E27FC236}">
+                <a16:creationId xmlns:a16="http://schemas.microsoft.com/office/drawing/2014/main" xmlns="" id="{B32F0FE7-4AA3-4945-9DB0-3B1F80C0F3B3}"/>
               </a:ext>
             </a:extLst>
           </p:cNvPr>
@@ -9087,7 +9346,7 @@
           <p:cNvPr id="4" name="矩形 3">
             <a:extLst>
               <a:ext uri="{FF2B5EF4-FFF2-40B4-BE49-F238E27FC236}">
-                <a16:creationId xmlns:a16="http://schemas.microsoft.com/office/drawing/2014/main" id="{913DA0CF-FA53-4D06-991B-6E27C8B86CE1}"/>
+                <a16:creationId xmlns:a16="http://schemas.microsoft.com/office/drawing/2014/main" xmlns="" id="{913DA0CF-FA53-4D06-991B-6E27C8B86CE1}"/>
               </a:ext>
             </a:extLst>
           </p:cNvPr>
@@ -9204,7 +9463,7 @@
           <p:cNvPr id="5" name="矩形 4">
             <a:extLst>
               <a:ext uri="{FF2B5EF4-FFF2-40B4-BE49-F238E27FC236}">
-                <a16:creationId xmlns:a16="http://schemas.microsoft.com/office/drawing/2014/main" id="{EDF0571B-E7BA-42F7-8458-3D75F7F0FCE4}"/>
+                <a16:creationId xmlns:a16="http://schemas.microsoft.com/office/drawing/2014/main" xmlns="" id="{EDF0571B-E7BA-42F7-8458-3D75F7F0FCE4}"/>
               </a:ext>
             </a:extLst>
           </p:cNvPr>
@@ -9352,17 +9611,24 @@
     </p:spTree>
     <p:extLst>
       <p:ext uri="{BB962C8B-B14F-4D97-AF65-F5344CB8AC3E}">
-        <p14:creationId xmlns:p14="http://schemas.microsoft.com/office/powerpoint/2010/main" val="1211998729"/>
+        <p14:creationId xmlns:p14="http://schemas.microsoft.com/office/powerpoint/2010/main" xmlns="" val="1211998729"/>
       </p:ext>
     </p:extLst>
   </p:cSld>
   <p:clrMapOvr>
     <a:masterClrMapping/>
   </p:clrMapOvr>
+  <p:timing>
+    <p:tnLst>
+      <p:par>
+        <p:cTn id="1" dur="indefinite" restart="never" nodeType="tmRoot"/>
+      </p:par>
+    </p:tnLst>
+  </p:timing>
 </p:sld>
 </file>
 
-<file path=ppt/slides/slide11.xml><?xml version="1.0" encoding="utf-8"?>
+<file path=ppt/slides/slide12.xml><?xml version="1.0" encoding="utf-8"?>
 <p:sld xmlns:a="http://schemas.openxmlformats.org/drawingml/2006/main" xmlns:r="http://schemas.openxmlformats.org/officeDocument/2006/relationships" xmlns:p="http://schemas.openxmlformats.org/presentationml/2006/main">
   <p:cSld>
     <p:spTree>
@@ -9384,7 +9650,7 @@
           <p:cNvPr id="14" name="图片 13">
             <a:extLst>
               <a:ext uri="{FF2B5EF4-FFF2-40B4-BE49-F238E27FC236}">
-                <a16:creationId xmlns:a16="http://schemas.microsoft.com/office/drawing/2014/main" id="{C30F0433-28F2-4F79-9D51-56227B78025B}"/>
+                <a16:creationId xmlns:a16="http://schemas.microsoft.com/office/drawing/2014/main" xmlns="" id="{C30F0433-28F2-4F79-9D51-56227B78025B}"/>
               </a:ext>
             </a:extLst>
           </p:cNvPr>
@@ -9394,7 +9660,7 @@
           <p:nvPr/>
         </p:nvPicPr>
         <p:blipFill>
-          <a:blip r:embed="rId2"/>
+          <a:blip r:embed="rId2" cstate="print"/>
           <a:stretch>
             <a:fillRect/>
           </a:stretch>
@@ -9412,17 +9678,24 @@
     </p:spTree>
     <p:extLst>
       <p:ext uri="{BB962C8B-B14F-4D97-AF65-F5344CB8AC3E}">
-        <p14:creationId xmlns:p14="http://schemas.microsoft.com/office/powerpoint/2010/main" val="4168038535"/>
+        <p14:creationId xmlns:p14="http://schemas.microsoft.com/office/powerpoint/2010/main" xmlns="" val="4168038535"/>
       </p:ext>
     </p:extLst>
   </p:cSld>
   <p:clrMapOvr>
     <a:masterClrMapping/>
   </p:clrMapOvr>
+  <p:timing>
+    <p:tnLst>
+      <p:par>
+        <p:cTn id="1" dur="indefinite" restart="never" nodeType="tmRoot"/>
+      </p:par>
+    </p:tnLst>
+  </p:timing>
 </p:sld>
 </file>
 
-<file path=ppt/slides/slide12.xml><?xml version="1.0" encoding="utf-8"?>
+<file path=ppt/slides/slide13.xml><?xml version="1.0" encoding="utf-8"?>
 <p:sld xmlns:a="http://schemas.openxmlformats.org/drawingml/2006/main" xmlns:r="http://schemas.openxmlformats.org/officeDocument/2006/relationships" xmlns:p="http://schemas.openxmlformats.org/presentationml/2006/main">
   <p:cSld>
     <p:spTree>
@@ -9444,7 +9717,7 @@
           <p:cNvPr id="2" name="标题 1">
             <a:extLst>
               <a:ext uri="{FF2B5EF4-FFF2-40B4-BE49-F238E27FC236}">
-                <a16:creationId xmlns:a16="http://schemas.microsoft.com/office/drawing/2014/main" id="{3CA32D51-0B64-424E-A651-28A34F98988C}"/>
+                <a16:creationId xmlns:a16="http://schemas.microsoft.com/office/drawing/2014/main" xmlns="" id="{3CA32D51-0B64-424E-A651-28A34F98988C}"/>
               </a:ext>
             </a:extLst>
           </p:cNvPr>
@@ -9497,7 +9770,7 @@
           <p:cNvPr id="5" name="图片 4">
             <a:extLst>
               <a:ext uri="{FF2B5EF4-FFF2-40B4-BE49-F238E27FC236}">
-                <a16:creationId xmlns:a16="http://schemas.microsoft.com/office/drawing/2014/main" id="{730D3EE7-4B7A-4735-92FD-2115AF8F8320}"/>
+                <a16:creationId xmlns:a16="http://schemas.microsoft.com/office/drawing/2014/main" xmlns="" id="{730D3EE7-4B7A-4735-92FD-2115AF8F8320}"/>
               </a:ext>
             </a:extLst>
           </p:cNvPr>
@@ -9507,7 +9780,7 @@
           <p:nvPr/>
         </p:nvPicPr>
         <p:blipFill>
-          <a:blip r:embed="rId2"/>
+          <a:blip r:embed="rId2" cstate="print"/>
           <a:stretch>
             <a:fillRect/>
           </a:stretch>
@@ -9527,7 +9800,7 @@
           <p:cNvPr id="6" name="矩形 5">
             <a:extLst>
               <a:ext uri="{FF2B5EF4-FFF2-40B4-BE49-F238E27FC236}">
-                <a16:creationId xmlns:a16="http://schemas.microsoft.com/office/drawing/2014/main" id="{37E071DF-3EC3-431A-AC71-8974DC49DA3C}"/>
+                <a16:creationId xmlns:a16="http://schemas.microsoft.com/office/drawing/2014/main" xmlns="" id="{37E071DF-3EC3-431A-AC71-8974DC49DA3C}"/>
               </a:ext>
             </a:extLst>
           </p:cNvPr>
@@ -9581,7 +9854,7 @@
           <p:cNvPr id="8" name="矩形 7">
             <a:extLst>
               <a:ext uri="{FF2B5EF4-FFF2-40B4-BE49-F238E27FC236}">
-                <a16:creationId xmlns:a16="http://schemas.microsoft.com/office/drawing/2014/main" id="{5F2878A0-9F9A-48C6-92E4-DE4607402A4A}"/>
+                <a16:creationId xmlns:a16="http://schemas.microsoft.com/office/drawing/2014/main" xmlns="" id="{5F2878A0-9F9A-48C6-92E4-DE4607402A4A}"/>
               </a:ext>
             </a:extLst>
           </p:cNvPr>
@@ -9633,7 +9906,7 @@
     </p:spTree>
     <p:extLst>
       <p:ext uri="{BB962C8B-B14F-4D97-AF65-F5344CB8AC3E}">
-        <p14:creationId xmlns:p14="http://schemas.microsoft.com/office/powerpoint/2010/main" val="3350016573"/>
+        <p14:creationId xmlns:p14="http://schemas.microsoft.com/office/powerpoint/2010/main" xmlns="" val="3350016573"/>
       </p:ext>
     </p:extLst>
   </p:cSld>
@@ -9783,7 +10056,7 @@
 </p:sld>
 </file>
 
-<file path=ppt/slides/slide13.xml><?xml version="1.0" encoding="utf-8"?>
+<file path=ppt/slides/slide14.xml><?xml version="1.0" encoding="utf-8"?>
 <p:sld xmlns:a="http://schemas.openxmlformats.org/drawingml/2006/main" xmlns:r="http://schemas.openxmlformats.org/officeDocument/2006/relationships" xmlns:p="http://schemas.openxmlformats.org/presentationml/2006/main">
   <p:cSld>
     <p:spTree>
@@ -9805,7 +10078,7 @@
           <p:cNvPr id="2" name="标题 1">
             <a:extLst>
               <a:ext uri="{FF2B5EF4-FFF2-40B4-BE49-F238E27FC236}">
-                <a16:creationId xmlns:a16="http://schemas.microsoft.com/office/drawing/2014/main" id="{C1BB80C3-85D6-4ED9-AC27-AAD054ABAD24}"/>
+                <a16:creationId xmlns:a16="http://schemas.microsoft.com/office/drawing/2014/main" xmlns="" id="{C1BB80C3-85D6-4ED9-AC27-AAD054ABAD24}"/>
               </a:ext>
             </a:extLst>
           </p:cNvPr>
@@ -9833,7 +10106,7 @@
           <p:cNvPr id="4" name="Rectangle 1">
             <a:extLst>
               <a:ext uri="{FF2B5EF4-FFF2-40B4-BE49-F238E27FC236}">
-                <a16:creationId xmlns:a16="http://schemas.microsoft.com/office/drawing/2014/main" id="{78769683-DF1D-4689-99D5-96B5787D6E61}"/>
+                <a16:creationId xmlns:a16="http://schemas.microsoft.com/office/drawing/2014/main" xmlns="" id="{78769683-DF1D-4689-99D5-96B5787D6E61}"/>
               </a:ext>
             </a:extLst>
           </p:cNvPr>
@@ -9859,14 +10132,14 @@
           <a:effectLst/>
           <a:extLst>
             <a:ext uri="{909E8E84-426E-40DD-AFC4-6F175D3DCCD1}">
-              <a14:hiddenFill xmlns:a14="http://schemas.microsoft.com/office/drawing/2010/main">
+              <a14:hiddenFill xmlns:a14="http://schemas.microsoft.com/office/drawing/2010/main" xmlns="">
                 <a:solidFill>
                   <a:schemeClr val="accent1"/>
                 </a:solidFill>
               </a14:hiddenFill>
             </a:ext>
             <a:ext uri="{91240B29-F687-4F45-9708-019B960494DF}">
-              <a14:hiddenLine xmlns:a14="http://schemas.microsoft.com/office/drawing/2010/main" w="9525">
+              <a14:hiddenLine xmlns:a14="http://schemas.microsoft.com/office/drawing/2010/main" xmlns="" w="9525">
                 <a:solidFill>
                   <a:schemeClr val="tx1"/>
                 </a:solidFill>
@@ -9876,7 +10149,7 @@
               </a14:hiddenLine>
             </a:ext>
             <a:ext uri="{AF507438-7753-43E0-B8FC-AC1667EBCBE1}">
-              <a14:hiddenEffects xmlns:a14="http://schemas.microsoft.com/office/drawing/2010/main">
+              <a14:hiddenEffects xmlns:a14="http://schemas.microsoft.com/office/drawing/2010/main" xmlns="">
                 <a:effectLst>
                   <a:outerShdw dist="35921" dir="2700000" algn="ctr" rotWithShape="0">
                     <a:schemeClr val="bg2"/>
@@ -10224,136 +10497,7 @@
     </p:spTree>
     <p:extLst>
       <p:ext uri="{BB962C8B-B14F-4D97-AF65-F5344CB8AC3E}">
-        <p14:creationId xmlns:p14="http://schemas.microsoft.com/office/powerpoint/2010/main" val="729147938"/>
-      </p:ext>
-    </p:extLst>
-  </p:cSld>
-  <p:clrMapOvr>
-    <a:masterClrMapping/>
-  </p:clrMapOvr>
-</p:sld>
-</file>
-
-<file path=ppt/slides/slide14.xml><?xml version="1.0" encoding="utf-8"?>
-<p:sld xmlns:a="http://schemas.openxmlformats.org/drawingml/2006/main" xmlns:r="http://schemas.openxmlformats.org/officeDocument/2006/relationships" xmlns:p="http://schemas.openxmlformats.org/presentationml/2006/main">
-  <p:cSld>
-    <p:spTree>
-      <p:nvGrpSpPr>
-        <p:cNvPr id="1" name=""/>
-        <p:cNvGrpSpPr/>
-        <p:nvPr/>
-      </p:nvGrpSpPr>
-      <p:grpSpPr>
-        <a:xfrm>
-          <a:off x="0" y="0"/>
-          <a:ext cx="0" cy="0"/>
-          <a:chOff x="0" y="0"/>
-          <a:chExt cx="0" cy="0"/>
-        </a:xfrm>
-      </p:grpSpPr>
-      <p:sp>
-        <p:nvSpPr>
-          <p:cNvPr id="2" name="标题 1">
-            <a:extLst>
-              <a:ext uri="{FF2B5EF4-FFF2-40B4-BE49-F238E27FC236}">
-                <a16:creationId xmlns:a16="http://schemas.microsoft.com/office/drawing/2014/main" id="{69AF82D5-62C8-4FEF-B7DC-0992A3F871FF}"/>
-              </a:ext>
-            </a:extLst>
-          </p:cNvPr>
-          <p:cNvSpPr>
-            <a:spLocks noGrp="1"/>
-          </p:cNvSpPr>
-          <p:nvPr>
-            <p:ph type="title"/>
-          </p:nvPr>
-        </p:nvSpPr>
-        <p:spPr/>
-        <p:txBody>
-          <a:bodyPr/>
-          <a:lstStyle/>
-          <a:p>
-            <a:r>
-              <a:rPr lang="zh-CN" altLang="en-US" dirty="0"/>
-              <a:t>十进制转换为其他进制</a:t>
-            </a:r>
-          </a:p>
-        </p:txBody>
-      </p:sp>
-      <p:sp>
-        <p:nvSpPr>
-          <p:cNvPr id="3" name="内容占位符 2">
-            <a:extLst>
-              <a:ext uri="{FF2B5EF4-FFF2-40B4-BE49-F238E27FC236}">
-                <a16:creationId xmlns:a16="http://schemas.microsoft.com/office/drawing/2014/main" id="{A6AEF417-11B6-468D-9F35-3AD87D7D771B}"/>
-              </a:ext>
-            </a:extLst>
-          </p:cNvPr>
-          <p:cNvSpPr>
-            <a:spLocks noGrp="1"/>
-          </p:cNvSpPr>
-          <p:nvPr>
-            <p:ph idx="1"/>
-          </p:nvPr>
-        </p:nvSpPr>
-        <p:spPr>
-          <a:xfrm>
-            <a:off x="609598" y="1488613"/>
-            <a:ext cx="6347714" cy="3880773"/>
-          </a:xfrm>
-        </p:spPr>
-        <p:txBody>
-          <a:bodyPr>
-            <a:normAutofit/>
-          </a:bodyPr>
-          <a:lstStyle/>
-          <a:p>
-            <a:r>
-              <a:rPr lang="zh-CN" altLang="en-US" sz="2400" dirty="0"/>
-              <a:t>除基（倒）取余</a:t>
-            </a:r>
-            <a:endParaRPr lang="en-US" altLang="zh-CN" sz="2400" dirty="0"/>
-          </a:p>
-          <a:p>
-            <a:r>
-              <a:rPr lang="zh-CN" altLang="en-US" sz="2400" dirty="0"/>
-              <a:t>（</a:t>
-            </a:r>
-            <a:r>
-              <a:rPr lang="en-US" altLang="zh-CN" sz="2400" dirty="0"/>
-              <a:t>15</a:t>
-            </a:r>
-            <a:r>
-              <a:rPr lang="zh-CN" altLang="en-US" sz="2400" dirty="0"/>
-              <a:t>）</a:t>
-            </a:r>
-            <a:r>
-              <a:rPr lang="en-US" altLang="zh-CN" sz="2400" dirty="0"/>
-              <a:t>10=</a:t>
-            </a:r>
-            <a:r>
-              <a:rPr lang="zh-CN" altLang="en-US" sz="2400" dirty="0"/>
-              <a:t>（   ）</a:t>
-            </a:r>
-            <a:r>
-              <a:rPr lang="en-US" altLang="zh-CN" sz="2400" dirty="0"/>
-              <a:t>8=</a:t>
-            </a:r>
-            <a:r>
-              <a:rPr lang="zh-CN" altLang="en-US" sz="2400" dirty="0"/>
-              <a:t>（   ）</a:t>
-            </a:r>
-            <a:r>
-              <a:rPr lang="en-US" altLang="zh-CN" sz="2400" dirty="0"/>
-              <a:t>2</a:t>
-            </a:r>
-            <a:endParaRPr lang="zh-CN" altLang="en-US" sz="2400" dirty="0"/>
-          </a:p>
-        </p:txBody>
-      </p:sp>
-    </p:spTree>
-    <p:extLst>
-      <p:ext uri="{BB962C8B-B14F-4D97-AF65-F5344CB8AC3E}">
-        <p14:creationId xmlns:p14="http://schemas.microsoft.com/office/powerpoint/2010/main" val="3733210417"/>
+        <p14:creationId xmlns:p14="http://schemas.microsoft.com/office/powerpoint/2010/main" xmlns="" val="729147938"/>
       </p:ext>
     </p:extLst>
   </p:cSld>
@@ -10385,7 +10529,7 @@
           <p:cNvPr id="2" name="标题 1">
             <a:extLst>
               <a:ext uri="{FF2B5EF4-FFF2-40B4-BE49-F238E27FC236}">
-                <a16:creationId xmlns:a16="http://schemas.microsoft.com/office/drawing/2014/main" id="{25629101-9C5B-403D-91DD-25759D1EC3F3}"/>
+                <a16:creationId xmlns:a16="http://schemas.microsoft.com/office/drawing/2014/main" xmlns="" id="{69AF82D5-62C8-4FEF-B7DC-0992A3F871FF}"/>
               </a:ext>
             </a:extLst>
           </p:cNvPr>
@@ -10403,7 +10547,7 @@
           <a:p>
             <a:r>
               <a:rPr lang="zh-CN" altLang="en-US" dirty="0"/>
-              <a:t>总结</a:t>
+              <a:t>十进制转换为其他进制</a:t>
             </a:r>
           </a:p>
         </p:txBody>
@@ -10413,7 +10557,7 @@
           <p:cNvPr id="3" name="内容占位符 2">
             <a:extLst>
               <a:ext uri="{FF2B5EF4-FFF2-40B4-BE49-F238E27FC236}">
-                <a16:creationId xmlns:a16="http://schemas.microsoft.com/office/drawing/2014/main" id="{A0C3A9F4-E3F0-429C-8AEF-606314DC6D9E}"/>
+                <a16:creationId xmlns:a16="http://schemas.microsoft.com/office/drawing/2014/main" xmlns="" id="{A6AEF417-11B6-468D-9F35-3AD87D7D771B}"/>
               </a:ext>
             </a:extLst>
           </p:cNvPr>
@@ -10424,7 +10568,12 @@
             <p:ph idx="1"/>
           </p:nvPr>
         </p:nvSpPr>
-        <p:spPr/>
+        <p:spPr>
+          <a:xfrm>
+            <a:off x="609598" y="1488613"/>
+            <a:ext cx="6347714" cy="3880773"/>
+          </a:xfrm>
+        </p:spPr>
         <p:txBody>
           <a:bodyPr>
             <a:normAutofit/>
@@ -10433,44 +10582,168 @@
           <a:p>
             <a:r>
               <a:rPr lang="zh-CN" altLang="en-US" sz="2400" dirty="0"/>
-              <a:t>数制转换是转换书写形式，数值不变</a:t>
+              <a:t>除基（倒）取余</a:t>
             </a:r>
             <a:endParaRPr lang="en-US" altLang="zh-CN" sz="2400" dirty="0"/>
           </a:p>
           <a:p>
             <a:r>
               <a:rPr lang="zh-CN" altLang="en-US" sz="2400" dirty="0"/>
-              <a:t>转十进制：按权展开</a:t>
-            </a:r>
-            <a:endParaRPr lang="en-US" altLang="zh-CN" sz="2400" dirty="0"/>
-          </a:p>
-          <a:p>
+              <a:t>（</a:t>
+            </a:r>
+            <a:r>
+              <a:rPr lang="en-US" altLang="zh-CN" sz="2400" dirty="0"/>
+              <a:t>15</a:t>
+            </a:r>
             <a:r>
               <a:rPr lang="zh-CN" altLang="en-US" sz="2400" dirty="0"/>
-              <a:t>二、八、十六进制互转：</a:t>
+              <a:t>）</a:t>
             </a:r>
             <a:r>
               <a:rPr lang="en-US" altLang="zh-CN" sz="2400" dirty="0"/>
-              <a:t>8421</a:t>
+              <a:t>10=</a:t>
             </a:r>
             <a:r>
               <a:rPr lang="zh-CN" altLang="en-US" sz="2400" dirty="0"/>
-              <a:t>规则</a:t>
-            </a:r>
-            <a:endParaRPr lang="en-US" altLang="zh-CN" sz="2400" dirty="0"/>
-          </a:p>
-          <a:p>
+              <a:t>（   ）</a:t>
+            </a:r>
+            <a:r>
+              <a:rPr lang="en-US" altLang="zh-CN" sz="2400" dirty="0"/>
+              <a:t>8=</a:t>
+            </a:r>
             <a:r>
               <a:rPr lang="zh-CN" altLang="en-US" sz="2400" dirty="0"/>
-              <a:t>十进制整数转其他进制：除基（倒）取余</a:t>
-            </a:r>
+              <a:t>（   ）</a:t>
+            </a:r>
+            <a:r>
+              <a:rPr lang="en-US" altLang="zh-CN" sz="2400" dirty="0"/>
+              <a:t>2</a:t>
+            </a:r>
+            <a:endParaRPr lang="zh-CN" altLang="en-US" sz="2400" dirty="0"/>
           </a:p>
         </p:txBody>
       </p:sp>
     </p:spTree>
     <p:extLst>
       <p:ext uri="{BB962C8B-B14F-4D97-AF65-F5344CB8AC3E}">
-        <p14:creationId xmlns:p14="http://schemas.microsoft.com/office/powerpoint/2010/main" val="1552174904"/>
+        <p14:creationId xmlns:p14="http://schemas.microsoft.com/office/powerpoint/2010/main" xmlns="" val="3733210417"/>
+      </p:ext>
+    </p:extLst>
+  </p:cSld>
+  <p:clrMapOvr>
+    <a:masterClrMapping/>
+  </p:clrMapOvr>
+</p:sld>
+</file>
+
+<file path=ppt/slides/slide16.xml><?xml version="1.0" encoding="utf-8"?>
+<p:sld xmlns:a="http://schemas.openxmlformats.org/drawingml/2006/main" xmlns:r="http://schemas.openxmlformats.org/officeDocument/2006/relationships" xmlns:p="http://schemas.openxmlformats.org/presentationml/2006/main">
+  <p:cSld>
+    <p:spTree>
+      <p:nvGrpSpPr>
+        <p:cNvPr id="1" name=""/>
+        <p:cNvGrpSpPr/>
+        <p:nvPr/>
+      </p:nvGrpSpPr>
+      <p:grpSpPr>
+        <a:xfrm>
+          <a:off x="0" y="0"/>
+          <a:ext cx="0" cy="0"/>
+          <a:chOff x="0" y="0"/>
+          <a:chExt cx="0" cy="0"/>
+        </a:xfrm>
+      </p:grpSpPr>
+      <p:sp>
+        <p:nvSpPr>
+          <p:cNvPr id="2" name="标题 1">
+            <a:extLst>
+              <a:ext uri="{FF2B5EF4-FFF2-40B4-BE49-F238E27FC236}">
+                <a16:creationId xmlns:a16="http://schemas.microsoft.com/office/drawing/2014/main" xmlns="" id="{25629101-9C5B-403D-91DD-25759D1EC3F3}"/>
+              </a:ext>
+            </a:extLst>
+          </p:cNvPr>
+          <p:cNvSpPr>
+            <a:spLocks noGrp="1"/>
+          </p:cNvSpPr>
+          <p:nvPr>
+            <p:ph type="title"/>
+          </p:nvPr>
+        </p:nvSpPr>
+        <p:spPr/>
+        <p:txBody>
+          <a:bodyPr/>
+          <a:lstStyle/>
+          <a:p>
+            <a:r>
+              <a:rPr lang="zh-CN" altLang="en-US" dirty="0"/>
+              <a:t>总结</a:t>
+            </a:r>
+          </a:p>
+        </p:txBody>
+      </p:sp>
+      <p:sp>
+        <p:nvSpPr>
+          <p:cNvPr id="3" name="内容占位符 2">
+            <a:extLst>
+              <a:ext uri="{FF2B5EF4-FFF2-40B4-BE49-F238E27FC236}">
+                <a16:creationId xmlns:a16="http://schemas.microsoft.com/office/drawing/2014/main" xmlns="" id="{A0C3A9F4-E3F0-429C-8AEF-606314DC6D9E}"/>
+              </a:ext>
+            </a:extLst>
+          </p:cNvPr>
+          <p:cNvSpPr>
+            <a:spLocks noGrp="1"/>
+          </p:cNvSpPr>
+          <p:nvPr>
+            <p:ph idx="1"/>
+          </p:nvPr>
+        </p:nvSpPr>
+        <p:spPr/>
+        <p:txBody>
+          <a:bodyPr>
+            <a:normAutofit/>
+          </a:bodyPr>
+          <a:lstStyle/>
+          <a:p>
+            <a:r>
+              <a:rPr lang="zh-CN" altLang="en-US" sz="2400" dirty="0"/>
+              <a:t>数制转换是转换书写形式，数值不变</a:t>
+            </a:r>
+            <a:endParaRPr lang="en-US" altLang="zh-CN" sz="2400" dirty="0"/>
+          </a:p>
+          <a:p>
+            <a:r>
+              <a:rPr lang="zh-CN" altLang="en-US" sz="2400" dirty="0"/>
+              <a:t>转十进制：按权展开</a:t>
+            </a:r>
+            <a:endParaRPr lang="en-US" altLang="zh-CN" sz="2400" dirty="0"/>
+          </a:p>
+          <a:p>
+            <a:r>
+              <a:rPr lang="zh-CN" altLang="en-US" sz="2400" dirty="0"/>
+              <a:t>二、八、十六进制互转：</a:t>
+            </a:r>
+            <a:r>
+              <a:rPr lang="en-US" altLang="zh-CN" sz="2400" dirty="0"/>
+              <a:t>8421</a:t>
+            </a:r>
+            <a:r>
+              <a:rPr lang="zh-CN" altLang="en-US" sz="2400" dirty="0"/>
+              <a:t>规则</a:t>
+            </a:r>
+            <a:endParaRPr lang="en-US" altLang="zh-CN" sz="2400" dirty="0"/>
+          </a:p>
+          <a:p>
+            <a:r>
+              <a:rPr lang="zh-CN" altLang="en-US" sz="2400" dirty="0"/>
+              <a:t>十进制整数转其他进制：除基（倒）取余</a:t>
+            </a:r>
+          </a:p>
+        </p:txBody>
+      </p:sp>
+    </p:spTree>
+    <p:extLst>
+      <p:ext uri="{BB962C8B-B14F-4D97-AF65-F5344CB8AC3E}">
+        <p14:creationId xmlns:p14="http://schemas.microsoft.com/office/powerpoint/2010/main" xmlns="" val="1552174904"/>
       </p:ext>
     </p:extLst>
   </p:cSld>
@@ -10502,7 +10775,7 @@
           <p:cNvPr id="2" name="标题 1">
             <a:extLst>
               <a:ext uri="{FF2B5EF4-FFF2-40B4-BE49-F238E27FC236}">
-                <a16:creationId xmlns:a16="http://schemas.microsoft.com/office/drawing/2014/main" id="{68C58971-B9DB-4242-9814-68049C90B78B}"/>
+                <a16:creationId xmlns:a16="http://schemas.microsoft.com/office/drawing/2014/main" xmlns="" id="{68C58971-B9DB-4242-9814-68049C90B78B}"/>
               </a:ext>
             </a:extLst>
           </p:cNvPr>
@@ -10530,7 +10803,7 @@
           <p:cNvPr id="3" name="内容占位符 2">
             <a:extLst>
               <a:ext uri="{FF2B5EF4-FFF2-40B4-BE49-F238E27FC236}">
-                <a16:creationId xmlns:a16="http://schemas.microsoft.com/office/drawing/2014/main" id="{4718D530-49FB-46FA-BECB-2D173E295AB7}"/>
+                <a16:creationId xmlns:a16="http://schemas.microsoft.com/office/drawing/2014/main" xmlns="" id="{4718D530-49FB-46FA-BECB-2D173E295AB7}"/>
               </a:ext>
             </a:extLst>
           </p:cNvPr>
@@ -10653,13 +10926,20 @@
     </p:spTree>
     <p:extLst>
       <p:ext uri="{BB962C8B-B14F-4D97-AF65-F5344CB8AC3E}">
-        <p14:creationId xmlns:p14="http://schemas.microsoft.com/office/powerpoint/2010/main" val="4173451208"/>
+        <p14:creationId xmlns:p14="http://schemas.microsoft.com/office/powerpoint/2010/main" xmlns="" val="4173451208"/>
       </p:ext>
     </p:extLst>
   </p:cSld>
   <p:clrMapOvr>
     <a:masterClrMapping/>
   </p:clrMapOvr>
+  <p:timing>
+    <p:tnLst>
+      <p:par>
+        <p:cTn id="1" dur="indefinite" restart="never" nodeType="tmRoot"/>
+      </p:par>
+    </p:tnLst>
+  </p:timing>
 </p:sld>
 </file>
 
@@ -10685,7 +10965,7 @@
           <p:cNvPr id="2" name="标题 1">
             <a:extLst>
               <a:ext uri="{FF2B5EF4-FFF2-40B4-BE49-F238E27FC236}">
-                <a16:creationId xmlns:a16="http://schemas.microsoft.com/office/drawing/2014/main" id="{EC68803E-8388-44B4-898B-DB78F11F175A}"/>
+                <a16:creationId xmlns:a16="http://schemas.microsoft.com/office/drawing/2014/main" xmlns="" id="{EC68803E-8388-44B4-898B-DB78F11F175A}"/>
               </a:ext>
             </a:extLst>
           </p:cNvPr>
@@ -10713,7 +10993,7 @@
           <p:cNvPr id="4" name="表格 4">
             <a:extLst>
               <a:ext uri="{FF2B5EF4-FFF2-40B4-BE49-F238E27FC236}">
-                <a16:creationId xmlns:a16="http://schemas.microsoft.com/office/drawing/2014/main" id="{B695A9FA-6692-4539-81C7-9C17534DD993}"/>
+                <a16:creationId xmlns:a16="http://schemas.microsoft.com/office/drawing/2014/main" xmlns="" id="{B695A9FA-6692-4539-81C7-9C17534DD993}"/>
               </a:ext>
             </a:extLst>
           </p:cNvPr>
@@ -10723,7 +11003,7 @@
           <p:nvPr>
             <p:extLst>
               <p:ext uri="{D42A27DB-BD31-4B8C-83A1-F6EECF244321}">
-                <p14:modId xmlns:p14="http://schemas.microsoft.com/office/powerpoint/2010/main" val="318150668"/>
+                <p14:modId xmlns:p14="http://schemas.microsoft.com/office/powerpoint/2010/main" xmlns="" val="318150668"/>
               </p:ext>
             </p:extLst>
           </p:nvPr>
@@ -10742,35 +11022,35 @@
                 <a:gridCol w="1219200">
                   <a:extLst>
                     <a:ext uri="{9D8B030D-6E8A-4147-A177-3AD203B41FA5}">
-                      <a16:colId xmlns:a16="http://schemas.microsoft.com/office/drawing/2014/main" val="2291429922"/>
+                      <a16:colId xmlns:a16="http://schemas.microsoft.com/office/drawing/2014/main" xmlns="" val="2291429922"/>
                     </a:ext>
                   </a:extLst>
                 </a:gridCol>
                 <a:gridCol w="1219200">
                   <a:extLst>
                     <a:ext uri="{9D8B030D-6E8A-4147-A177-3AD203B41FA5}">
-                      <a16:colId xmlns:a16="http://schemas.microsoft.com/office/drawing/2014/main" val="1568509408"/>
+                      <a16:colId xmlns:a16="http://schemas.microsoft.com/office/drawing/2014/main" xmlns="" val="1568509408"/>
                     </a:ext>
                   </a:extLst>
                 </a:gridCol>
                 <a:gridCol w="1219200">
                   <a:extLst>
                     <a:ext uri="{9D8B030D-6E8A-4147-A177-3AD203B41FA5}">
-                      <a16:colId xmlns:a16="http://schemas.microsoft.com/office/drawing/2014/main" val="2123168955"/>
+                      <a16:colId xmlns:a16="http://schemas.microsoft.com/office/drawing/2014/main" xmlns="" val="2123168955"/>
                     </a:ext>
                   </a:extLst>
                 </a:gridCol>
                 <a:gridCol w="1547097">
                   <a:extLst>
                     <a:ext uri="{9D8B030D-6E8A-4147-A177-3AD203B41FA5}">
-                      <a16:colId xmlns:a16="http://schemas.microsoft.com/office/drawing/2014/main" val="2509584419"/>
+                      <a16:colId xmlns:a16="http://schemas.microsoft.com/office/drawing/2014/main" xmlns="" val="2509584419"/>
                     </a:ext>
                   </a:extLst>
                 </a:gridCol>
                 <a:gridCol w="1564055">
                   <a:extLst>
                     <a:ext uri="{9D8B030D-6E8A-4147-A177-3AD203B41FA5}">
-                      <a16:colId xmlns:a16="http://schemas.microsoft.com/office/drawing/2014/main" val="881152678"/>
+                      <a16:colId xmlns:a16="http://schemas.microsoft.com/office/drawing/2014/main" xmlns="" val="881152678"/>
                     </a:ext>
                   </a:extLst>
                 </a:gridCol>
@@ -10840,7 +11120,7 @@
                 </a:tc>
                 <a:extLst>
                   <a:ext uri="{0D108BD9-81ED-4DB2-BD59-A6C34878D82A}">
-                    <a16:rowId xmlns:a16="http://schemas.microsoft.com/office/drawing/2014/main" val="416097887"/>
+                    <a16:rowId xmlns:a16="http://schemas.microsoft.com/office/drawing/2014/main" xmlns="" val="416097887"/>
                   </a:ext>
                 </a:extLst>
               </a:tr>
@@ -11132,7 +11412,7 @@
                 </a:tc>
                 <a:extLst>
                   <a:ext uri="{0D108BD9-81ED-4DB2-BD59-A6C34878D82A}">
-                    <a16:rowId xmlns:a16="http://schemas.microsoft.com/office/drawing/2014/main" val="4027732764"/>
+                    <a16:rowId xmlns:a16="http://schemas.microsoft.com/office/drawing/2014/main" xmlns="" val="4027732764"/>
                   </a:ext>
                 </a:extLst>
               </a:tr>
@@ -11208,7 +11488,7 @@
                 </a:tc>
                 <a:extLst>
                   <a:ext uri="{0D108BD9-81ED-4DB2-BD59-A6C34878D82A}">
-                    <a16:rowId xmlns:a16="http://schemas.microsoft.com/office/drawing/2014/main" val="1919653525"/>
+                    <a16:rowId xmlns:a16="http://schemas.microsoft.com/office/drawing/2014/main" xmlns="" val="1919653525"/>
                   </a:ext>
                 </a:extLst>
               </a:tr>
@@ -11300,7 +11580,7 @@
                 </a:tc>
                 <a:extLst>
                   <a:ext uri="{0D108BD9-81ED-4DB2-BD59-A6C34878D82A}">
-                    <a16:rowId xmlns:a16="http://schemas.microsoft.com/office/drawing/2014/main" val="1824117078"/>
+                    <a16:rowId xmlns:a16="http://schemas.microsoft.com/office/drawing/2014/main" xmlns="" val="1824117078"/>
                   </a:ext>
                 </a:extLst>
               </a:tr>
@@ -11372,7 +11652,7 @@
                 </a:tc>
                 <a:extLst>
                   <a:ext uri="{0D108BD9-81ED-4DB2-BD59-A6C34878D82A}">
-                    <a16:rowId xmlns:a16="http://schemas.microsoft.com/office/drawing/2014/main" val="2621114255"/>
+                    <a16:rowId xmlns:a16="http://schemas.microsoft.com/office/drawing/2014/main" xmlns="" val="2621114255"/>
                   </a:ext>
                 </a:extLst>
               </a:tr>
@@ -11385,7 +11665,7 @@
           <p:cNvPr id="6" name="内容占位符 2">
             <a:extLst>
               <a:ext uri="{FF2B5EF4-FFF2-40B4-BE49-F238E27FC236}">
-                <a16:creationId xmlns:a16="http://schemas.microsoft.com/office/drawing/2014/main" id="{C9C9FEF4-54FD-4F9E-BF7D-7CAE59A2C90B}"/>
+                <a16:creationId xmlns:a16="http://schemas.microsoft.com/office/drawing/2014/main" xmlns="" id="{C9C9FEF4-54FD-4F9E-BF7D-7CAE59A2C90B}"/>
               </a:ext>
             </a:extLst>
           </p:cNvPr>
@@ -11437,13 +11717,20 @@
     </p:spTree>
     <p:extLst>
       <p:ext uri="{BB962C8B-B14F-4D97-AF65-F5344CB8AC3E}">
-        <p14:creationId xmlns:p14="http://schemas.microsoft.com/office/powerpoint/2010/main" val="3475860015"/>
+        <p14:creationId xmlns:p14="http://schemas.microsoft.com/office/powerpoint/2010/main" xmlns="" val="3475860015"/>
       </p:ext>
     </p:extLst>
   </p:cSld>
   <p:clrMapOvr>
     <a:masterClrMapping/>
   </p:clrMapOvr>
+  <p:timing>
+    <p:tnLst>
+      <p:par>
+        <p:cTn id="1" dur="indefinite" restart="never" nodeType="tmRoot"/>
+      </p:par>
+    </p:tnLst>
+  </p:timing>
 </p:sld>
 </file>
 
@@ -11469,7 +11756,7 @@
           <p:cNvPr id="2" name="标题 1">
             <a:extLst>
               <a:ext uri="{FF2B5EF4-FFF2-40B4-BE49-F238E27FC236}">
-                <a16:creationId xmlns:a16="http://schemas.microsoft.com/office/drawing/2014/main" id="{3B29D618-DF2C-464C-BE4C-0B3480478479}"/>
+                <a16:creationId xmlns:a16="http://schemas.microsoft.com/office/drawing/2014/main" xmlns="" id="{3B29D618-DF2C-464C-BE4C-0B3480478479}"/>
               </a:ext>
             </a:extLst>
           </p:cNvPr>
@@ -11497,7 +11784,7 @@
           <p:cNvPr id="3" name="内容占位符 2">
             <a:extLst>
               <a:ext uri="{FF2B5EF4-FFF2-40B4-BE49-F238E27FC236}">
-                <a16:creationId xmlns:a16="http://schemas.microsoft.com/office/drawing/2014/main" id="{BE700FE8-3C90-474A-95B9-CF24FCFB90D4}"/>
+                <a16:creationId xmlns:a16="http://schemas.microsoft.com/office/drawing/2014/main" xmlns="" id="{BE700FE8-3C90-474A-95B9-CF24FCFB90D4}"/>
               </a:ext>
             </a:extLst>
           </p:cNvPr>
@@ -11681,13 +11968,20 @@
     </p:spTree>
     <p:extLst>
       <p:ext uri="{BB962C8B-B14F-4D97-AF65-F5344CB8AC3E}">
-        <p14:creationId xmlns:p14="http://schemas.microsoft.com/office/powerpoint/2010/main" val="58127112"/>
+        <p14:creationId xmlns:p14="http://schemas.microsoft.com/office/powerpoint/2010/main" xmlns="" val="58127112"/>
       </p:ext>
     </p:extLst>
   </p:cSld>
   <p:clrMapOvr>
     <a:masterClrMapping/>
   </p:clrMapOvr>
+  <p:timing>
+    <p:tnLst>
+      <p:par>
+        <p:cTn id="1" dur="indefinite" restart="never" nodeType="tmRoot"/>
+      </p:par>
+    </p:tnLst>
+  </p:timing>
 </p:sld>
 </file>
 
@@ -11713,7 +12007,7 @@
           <p:cNvPr id="2" name="标题 1">
             <a:extLst>
               <a:ext uri="{FF2B5EF4-FFF2-40B4-BE49-F238E27FC236}">
-                <a16:creationId xmlns:a16="http://schemas.microsoft.com/office/drawing/2014/main" id="{C65C5A41-D59A-420E-86D1-5A75A47BC1B3}"/>
+                <a16:creationId xmlns:a16="http://schemas.microsoft.com/office/drawing/2014/main" xmlns="" id="{C65C5A41-D59A-420E-86D1-5A75A47BC1B3}"/>
               </a:ext>
             </a:extLst>
           </p:cNvPr>
@@ -11741,7 +12035,7 @@
           <p:cNvPr id="3" name="内容占位符 2">
             <a:extLst>
               <a:ext uri="{FF2B5EF4-FFF2-40B4-BE49-F238E27FC236}">
-                <a16:creationId xmlns:a16="http://schemas.microsoft.com/office/drawing/2014/main" id="{C94E55DE-7538-48DC-86DB-D317370DB72F}"/>
+                <a16:creationId xmlns:a16="http://schemas.microsoft.com/office/drawing/2014/main" xmlns="" id="{C94E55DE-7538-48DC-86DB-D317370DB72F}"/>
               </a:ext>
             </a:extLst>
           </p:cNvPr>
@@ -11979,13 +12273,20 @@
     </p:spTree>
     <p:extLst>
       <p:ext uri="{BB962C8B-B14F-4D97-AF65-F5344CB8AC3E}">
-        <p14:creationId xmlns:p14="http://schemas.microsoft.com/office/powerpoint/2010/main" val="830626352"/>
+        <p14:creationId xmlns:p14="http://schemas.microsoft.com/office/powerpoint/2010/main" xmlns="" val="830626352"/>
       </p:ext>
     </p:extLst>
   </p:cSld>
   <p:clrMapOvr>
     <a:masterClrMapping/>
   </p:clrMapOvr>
+  <p:timing>
+    <p:tnLst>
+      <p:par>
+        <p:cTn id="1" dur="indefinite" restart="never" nodeType="tmRoot"/>
+      </p:par>
+    </p:tnLst>
+  </p:timing>
 </p:sld>
 </file>
 
@@ -12011,7 +12312,7 @@
           <p:cNvPr id="2" name="标题 1">
             <a:extLst>
               <a:ext uri="{FF2B5EF4-FFF2-40B4-BE49-F238E27FC236}">
-                <a16:creationId xmlns:a16="http://schemas.microsoft.com/office/drawing/2014/main" id="{4D4CC02D-B95E-48A4-933A-86BCB0265602}"/>
+                <a16:creationId xmlns:a16="http://schemas.microsoft.com/office/drawing/2014/main" xmlns="" id="{4D4CC02D-B95E-48A4-933A-86BCB0265602}"/>
               </a:ext>
             </a:extLst>
           </p:cNvPr>
@@ -12039,7 +12340,7 @@
           <p:cNvPr id="3" name="内容占位符 2">
             <a:extLst>
               <a:ext uri="{FF2B5EF4-FFF2-40B4-BE49-F238E27FC236}">
-                <a16:creationId xmlns:a16="http://schemas.microsoft.com/office/drawing/2014/main" id="{F56D01F5-D2F3-4BD9-A681-C9F8ADB59D11}"/>
+                <a16:creationId xmlns:a16="http://schemas.microsoft.com/office/drawing/2014/main" xmlns="" id="{F56D01F5-D2F3-4BD9-A681-C9F8ADB59D11}"/>
               </a:ext>
             </a:extLst>
           </p:cNvPr>
@@ -12083,13 +12384,20 @@
     </p:spTree>
     <p:extLst>
       <p:ext uri="{BB962C8B-B14F-4D97-AF65-F5344CB8AC3E}">
-        <p14:creationId xmlns:p14="http://schemas.microsoft.com/office/powerpoint/2010/main" val="4233053336"/>
+        <p14:creationId xmlns:p14="http://schemas.microsoft.com/office/powerpoint/2010/main" xmlns="" val="4233053336"/>
       </p:ext>
     </p:extLst>
   </p:cSld>
   <p:clrMapOvr>
     <a:masterClrMapping/>
   </p:clrMapOvr>
+  <p:timing>
+    <p:tnLst>
+      <p:par>
+        <p:cTn id="1" dur="indefinite" restart="never" nodeType="tmRoot"/>
+      </p:par>
+    </p:tnLst>
+  </p:timing>
 </p:sld>
 </file>
 
@@ -12115,7 +12423,7 @@
           <p:cNvPr id="2" name="标题 1">
             <a:extLst>
               <a:ext uri="{FF2B5EF4-FFF2-40B4-BE49-F238E27FC236}">
-                <a16:creationId xmlns:a16="http://schemas.microsoft.com/office/drawing/2014/main" id="{02D8143F-80D8-410A-9E29-3DB7C7A1CF49}"/>
+                <a16:creationId xmlns:a16="http://schemas.microsoft.com/office/drawing/2014/main" xmlns="" id="{02D8143F-80D8-410A-9E29-3DB7C7A1CF49}"/>
               </a:ext>
             </a:extLst>
           </p:cNvPr>
@@ -12143,7 +12451,7 @@
           <p:cNvPr id="3" name="内容占位符 2">
             <a:extLst>
               <a:ext uri="{FF2B5EF4-FFF2-40B4-BE49-F238E27FC236}">
-                <a16:creationId xmlns:a16="http://schemas.microsoft.com/office/drawing/2014/main" id="{47CC3BA5-EC14-4299-8572-C5B95F15AB1B}"/>
+                <a16:creationId xmlns:a16="http://schemas.microsoft.com/office/drawing/2014/main" xmlns="" id="{47CC3BA5-EC14-4299-8572-C5B95F15AB1B}"/>
               </a:ext>
             </a:extLst>
           </p:cNvPr>
@@ -12286,13 +12594,20 @@
     </p:spTree>
     <p:extLst>
       <p:ext uri="{BB962C8B-B14F-4D97-AF65-F5344CB8AC3E}">
-        <p14:creationId xmlns:p14="http://schemas.microsoft.com/office/powerpoint/2010/main" val="2239147194"/>
+        <p14:creationId xmlns:p14="http://schemas.microsoft.com/office/powerpoint/2010/main" xmlns="" val="2239147194"/>
       </p:ext>
     </p:extLst>
   </p:cSld>
   <p:clrMapOvr>
     <a:masterClrMapping/>
   </p:clrMapOvr>
+  <p:timing>
+    <p:tnLst>
+      <p:par>
+        <p:cTn id="1" dur="indefinite" restart="never" nodeType="tmRoot"/>
+      </p:par>
+    </p:tnLst>
+  </p:timing>
 </p:sld>
 </file>
 
@@ -12318,7 +12633,7 @@
           <p:cNvPr id="2" name="标题 1">
             <a:extLst>
               <a:ext uri="{FF2B5EF4-FFF2-40B4-BE49-F238E27FC236}">
-                <a16:creationId xmlns:a16="http://schemas.microsoft.com/office/drawing/2014/main" id="{381C574B-87E2-464F-938F-D47ADA6FC36E}"/>
+                <a16:creationId xmlns:a16="http://schemas.microsoft.com/office/drawing/2014/main" xmlns="" id="{381C574B-87E2-464F-938F-D47ADA6FC36E}"/>
               </a:ext>
             </a:extLst>
           </p:cNvPr>
@@ -12346,7 +12661,7 @@
           <p:cNvPr id="3" name="内容占位符 2">
             <a:extLst>
               <a:ext uri="{FF2B5EF4-FFF2-40B4-BE49-F238E27FC236}">
-                <a16:creationId xmlns:a16="http://schemas.microsoft.com/office/drawing/2014/main" id="{1864B5B5-398F-4561-B004-DB1634050240}"/>
+                <a16:creationId xmlns:a16="http://schemas.microsoft.com/office/drawing/2014/main" xmlns="" id="{1864B5B5-398F-4561-B004-DB1634050240}"/>
               </a:ext>
             </a:extLst>
           </p:cNvPr>
@@ -12573,13 +12888,20 @@
     </p:spTree>
     <p:extLst>
       <p:ext uri="{BB962C8B-B14F-4D97-AF65-F5344CB8AC3E}">
-        <p14:creationId xmlns:p14="http://schemas.microsoft.com/office/powerpoint/2010/main" val="3849036995"/>
+        <p14:creationId xmlns:p14="http://schemas.microsoft.com/office/powerpoint/2010/main" xmlns="" val="3849036995"/>
       </p:ext>
     </p:extLst>
   </p:cSld>
   <p:clrMapOvr>
     <a:masterClrMapping/>
   </p:clrMapOvr>
+  <p:timing>
+    <p:tnLst>
+      <p:par>
+        <p:cTn id="1" dur="indefinite" restart="never" nodeType="tmRoot"/>
+      </p:par>
+    </p:tnLst>
+  </p:timing>
 </p:sld>
 </file>
 
@@ -12602,13 +12924,7 @@
       </p:grpSpPr>
       <p:sp>
         <p:nvSpPr>
-          <p:cNvPr id="2" name="标题 1">
-            <a:extLst>
-              <a:ext uri="{FF2B5EF4-FFF2-40B4-BE49-F238E27FC236}">
-                <a16:creationId xmlns:a16="http://schemas.microsoft.com/office/drawing/2014/main" id="{0755B126-1D1E-42D4-866D-74A224646211}"/>
-              </a:ext>
-            </a:extLst>
-          </p:cNvPr>
+          <p:cNvPr id="2" name="标题 1"/>
           <p:cNvSpPr>
             <a:spLocks noGrp="1"/>
           </p:cNvSpPr>
@@ -12622,150 +12938,1271 @@
           <a:lstStyle/>
           <a:p>
             <a:r>
-              <a:rPr lang="zh-CN" altLang="en-US" dirty="0"/>
-              <a:t>练习</a:t>
-            </a:r>
-          </a:p>
-        </p:txBody>
-      </p:sp>
-      <p:sp>
-        <p:nvSpPr>
-          <p:cNvPr id="3" name="内容占位符 2">
-            <a:extLst>
-              <a:ext uri="{FF2B5EF4-FFF2-40B4-BE49-F238E27FC236}">
-                <a16:creationId xmlns:a16="http://schemas.microsoft.com/office/drawing/2014/main" id="{1A87D349-4A90-422D-96AF-60CCC417863D}"/>
-              </a:ext>
-            </a:extLst>
-          </p:cNvPr>
-          <p:cNvSpPr>
-            <a:spLocks noGrp="1"/>
-          </p:cNvSpPr>
+              <a:rPr lang="zh-CN" altLang="en-US" smtClean="0"/>
+              <a:t>按权展开</a:t>
+            </a:r>
+            <a:endParaRPr lang="zh-CN" altLang="en-US" dirty="0"/>
+          </a:p>
+        </p:txBody>
+      </p:sp>
+      <p:graphicFrame>
+        <p:nvGraphicFramePr>
+          <p:cNvPr id="4" name="内容占位符 3"/>
+          <p:cNvGraphicFramePr>
+            <a:graphicFrameLocks noGrp="1"/>
+          </p:cNvGraphicFramePr>
           <p:nvPr>
             <p:ph idx="1"/>
           </p:nvPr>
+        </p:nvGraphicFramePr>
+        <p:xfrm>
+          <a:off x="323531" y="1628800"/>
+          <a:ext cx="8640956" cy="1854200"/>
+        </p:xfrm>
+        <a:graphic>
+          <a:graphicData uri="http://schemas.openxmlformats.org/drawingml/2006/table">
+            <a:tbl>
+              <a:tblPr firstRow="1" bandRow="1">
+                <a:tableStyleId>{5C22544A-7EE6-4342-B048-85BDC9FD1C3A}</a:tableStyleId>
+              </a:tblPr>
+              <a:tblGrid>
+                <a:gridCol w="648069"/>
+                <a:gridCol w="1368152"/>
+                <a:gridCol w="970991"/>
+                <a:gridCol w="687360"/>
+                <a:gridCol w="765139"/>
+                <a:gridCol w="840249"/>
+                <a:gridCol w="840249"/>
+                <a:gridCol w="840249"/>
+                <a:gridCol w="840249"/>
+                <a:gridCol w="840249"/>
+              </a:tblGrid>
+              <a:tr h="370840">
+                <a:tc>
+                  <a:txBody>
+                    <a:bodyPr/>
+                    <a:lstStyle/>
+                    <a:p>
+                      <a:r>
+                        <a:rPr lang="zh-CN" altLang="en-US" dirty="0" smtClean="0"/>
+                        <a:t>步奏</a:t>
+                      </a:r>
+                      <a:endParaRPr lang="zh-CN" altLang="en-US" dirty="0"/>
+                    </a:p>
+                  </a:txBody>
+                  <a:tcPr/>
+                </a:tc>
+                <a:tc>
+                  <a:txBody>
+                    <a:bodyPr/>
+                    <a:lstStyle/>
+                    <a:p>
+                      <a:r>
+                        <a:rPr lang="zh-CN" altLang="en-US" dirty="0" smtClean="0"/>
+                        <a:t>二进制</a:t>
+                      </a:r>
+                      <a:endParaRPr lang="zh-CN" altLang="en-US" dirty="0"/>
+                    </a:p>
+                  </a:txBody>
+                  <a:tcPr/>
+                </a:tc>
+                <a:tc>
+                  <a:txBody>
+                    <a:bodyPr/>
+                    <a:lstStyle/>
+                    <a:p>
+                      <a:r>
+                        <a:rPr lang="en-US" altLang="zh-CN" dirty="0" smtClean="0"/>
+                        <a:t>1</a:t>
+                      </a:r>
+                      <a:endParaRPr lang="zh-CN" altLang="en-US" dirty="0"/>
+                    </a:p>
+                  </a:txBody>
+                  <a:tcPr/>
+                </a:tc>
+                <a:tc>
+                  <a:txBody>
+                    <a:bodyPr/>
+                    <a:lstStyle/>
+                    <a:p>
+                      <a:r>
+                        <a:rPr lang="en-US" altLang="zh-CN" dirty="0" smtClean="0"/>
+                        <a:t>1</a:t>
+                      </a:r>
+                      <a:endParaRPr lang="zh-CN" altLang="en-US" dirty="0"/>
+                    </a:p>
+                  </a:txBody>
+                  <a:tcPr/>
+                </a:tc>
+                <a:tc>
+                  <a:txBody>
+                    <a:bodyPr/>
+                    <a:lstStyle/>
+                    <a:p>
+                      <a:r>
+                        <a:rPr lang="en-US" altLang="zh-CN" dirty="0" smtClean="0"/>
+                        <a:t>1</a:t>
+                      </a:r>
+                      <a:endParaRPr lang="zh-CN" altLang="en-US" dirty="0"/>
+                    </a:p>
+                  </a:txBody>
+                  <a:tcPr/>
+                </a:tc>
+                <a:tc>
+                  <a:txBody>
+                    <a:bodyPr/>
+                    <a:lstStyle/>
+                    <a:p>
+                      <a:r>
+                        <a:rPr lang="en-US" altLang="zh-CN" dirty="0" smtClean="0"/>
+                        <a:t>1</a:t>
+                      </a:r>
+                      <a:endParaRPr lang="zh-CN" altLang="en-US" dirty="0"/>
+                    </a:p>
+                  </a:txBody>
+                  <a:tcPr/>
+                </a:tc>
+                <a:tc>
+                  <a:txBody>
+                    <a:bodyPr/>
+                    <a:lstStyle/>
+                    <a:p>
+                      <a:r>
+                        <a:rPr lang="en-US" altLang="zh-CN" dirty="0" smtClean="0"/>
+                        <a:t>1</a:t>
+                      </a:r>
+                      <a:endParaRPr lang="zh-CN" altLang="en-US" dirty="0"/>
+                    </a:p>
+                  </a:txBody>
+                  <a:tcPr/>
+                </a:tc>
+                <a:tc>
+                  <a:txBody>
+                    <a:bodyPr/>
+                    <a:lstStyle/>
+                    <a:p>
+                      <a:r>
+                        <a:rPr lang="en-US" altLang="zh-CN" dirty="0" smtClean="0"/>
+                        <a:t>0</a:t>
+                      </a:r>
+                      <a:endParaRPr lang="zh-CN" altLang="en-US" dirty="0"/>
+                    </a:p>
+                  </a:txBody>
+                  <a:tcPr/>
+                </a:tc>
+                <a:tc>
+                  <a:txBody>
+                    <a:bodyPr/>
+                    <a:lstStyle/>
+                    <a:p>
+                      <a:r>
+                        <a:rPr lang="en-US" altLang="zh-CN" dirty="0" smtClean="0"/>
+                        <a:t>0</a:t>
+                      </a:r>
+                      <a:endParaRPr lang="zh-CN" altLang="en-US" dirty="0"/>
+                    </a:p>
+                  </a:txBody>
+                  <a:tcPr/>
+                </a:tc>
+                <a:tc>
+                  <a:txBody>
+                    <a:bodyPr/>
+                    <a:lstStyle/>
+                    <a:p>
+                      <a:r>
+                        <a:rPr lang="en-US" altLang="zh-CN" dirty="0" smtClean="0"/>
+                        <a:t>1</a:t>
+                      </a:r>
+                      <a:endParaRPr lang="zh-CN" altLang="en-US" dirty="0"/>
+                    </a:p>
+                  </a:txBody>
+                  <a:tcPr/>
+                </a:tc>
+              </a:tr>
+              <a:tr h="370840">
+                <a:tc>
+                  <a:txBody>
+                    <a:bodyPr/>
+                    <a:lstStyle/>
+                    <a:p>
+                      <a:r>
+                        <a:rPr lang="en-US" altLang="zh-CN" dirty="0" smtClean="0"/>
+                        <a:t>1</a:t>
+                      </a:r>
+                      <a:endParaRPr lang="zh-CN" altLang="en-US" dirty="0"/>
+                    </a:p>
+                  </a:txBody>
+                  <a:tcPr/>
+                </a:tc>
+                <a:tc>
+                  <a:txBody>
+                    <a:bodyPr/>
+                    <a:lstStyle/>
+                    <a:p>
+                      <a:r>
+                        <a:rPr lang="zh-CN" altLang="en-US" dirty="0" smtClean="0"/>
+                        <a:t>位权</a:t>
+                      </a:r>
+                      <a:endParaRPr lang="zh-CN" altLang="en-US" dirty="0"/>
+                    </a:p>
+                  </a:txBody>
+                  <a:tcPr/>
+                </a:tc>
+                <a:tc>
+                  <a:txBody>
+                    <a:bodyPr/>
+                    <a:lstStyle/>
+                    <a:p>
+                      <a:r>
+                        <a:rPr lang="en-US" altLang="zh-CN" dirty="0" smtClean="0"/>
+                        <a:t>2</a:t>
+                      </a:r>
+                      <a:r>
+                        <a:rPr lang="en-US" altLang="zh-CN" baseline="30000" dirty="0" smtClean="0"/>
+                        <a:t>7</a:t>
+                      </a:r>
+                      <a:endParaRPr lang="zh-CN" altLang="en-US" baseline="30000" dirty="0"/>
+                    </a:p>
+                  </a:txBody>
+                  <a:tcPr/>
+                </a:tc>
+                <a:tc>
+                  <a:txBody>
+                    <a:bodyPr/>
+                    <a:lstStyle/>
+                    <a:p>
+                      <a:r>
+                        <a:rPr lang="en-US" altLang="zh-CN" dirty="0" smtClean="0"/>
+                        <a:t>2</a:t>
+                      </a:r>
+                      <a:r>
+                        <a:rPr lang="en-US" altLang="zh-CN" baseline="30000" dirty="0" smtClean="0"/>
+                        <a:t>6</a:t>
+                      </a:r>
+                      <a:endParaRPr lang="zh-CN" altLang="en-US" baseline="30000" dirty="0"/>
+                    </a:p>
+                  </a:txBody>
+                  <a:tcPr/>
+                </a:tc>
+                <a:tc>
+                  <a:txBody>
+                    <a:bodyPr/>
+                    <a:lstStyle/>
+                    <a:p>
+                      <a:r>
+                        <a:rPr lang="en-US" altLang="zh-CN" dirty="0" smtClean="0"/>
+                        <a:t>2</a:t>
+                      </a:r>
+                      <a:r>
+                        <a:rPr lang="en-US" altLang="zh-CN" baseline="30000" dirty="0" smtClean="0"/>
+                        <a:t>5</a:t>
+                      </a:r>
+                      <a:endParaRPr lang="zh-CN" altLang="en-US" baseline="30000" dirty="0"/>
+                    </a:p>
+                  </a:txBody>
+                  <a:tcPr/>
+                </a:tc>
+                <a:tc>
+                  <a:txBody>
+                    <a:bodyPr/>
+                    <a:lstStyle/>
+                    <a:p>
+                      <a:r>
+                        <a:rPr lang="en-US" altLang="zh-CN" dirty="0" smtClean="0"/>
+                        <a:t>2</a:t>
+                      </a:r>
+                      <a:r>
+                        <a:rPr lang="en-US" altLang="zh-CN" baseline="30000" dirty="0" smtClean="0"/>
+                        <a:t>4</a:t>
+                      </a:r>
+                      <a:endParaRPr lang="zh-CN" altLang="en-US" baseline="30000" dirty="0"/>
+                    </a:p>
+                  </a:txBody>
+                  <a:tcPr/>
+                </a:tc>
+                <a:tc>
+                  <a:txBody>
+                    <a:bodyPr/>
+                    <a:lstStyle/>
+                    <a:p>
+                      <a:r>
+                        <a:rPr lang="en-US" altLang="zh-CN" dirty="0" smtClean="0"/>
+                        <a:t>2</a:t>
+                      </a:r>
+                      <a:r>
+                        <a:rPr lang="en-US" altLang="zh-CN" baseline="30000" dirty="0" smtClean="0"/>
+                        <a:t>3</a:t>
+                      </a:r>
+                      <a:endParaRPr lang="zh-CN" altLang="en-US" baseline="30000" dirty="0"/>
+                    </a:p>
+                  </a:txBody>
+                  <a:tcPr/>
+                </a:tc>
+                <a:tc>
+                  <a:txBody>
+                    <a:bodyPr/>
+                    <a:lstStyle/>
+                    <a:p>
+                      <a:r>
+                        <a:rPr lang="en-US" altLang="zh-CN" dirty="0" smtClean="0"/>
+                        <a:t>2</a:t>
+                      </a:r>
+                      <a:r>
+                        <a:rPr lang="en-US" altLang="zh-CN" baseline="30000" dirty="0" smtClean="0"/>
+                        <a:t>2</a:t>
+                      </a:r>
+                      <a:endParaRPr lang="zh-CN" altLang="en-US" baseline="30000" dirty="0"/>
+                    </a:p>
+                  </a:txBody>
+                  <a:tcPr/>
+                </a:tc>
+                <a:tc>
+                  <a:txBody>
+                    <a:bodyPr/>
+                    <a:lstStyle/>
+                    <a:p>
+                      <a:r>
+                        <a:rPr lang="en-US" altLang="zh-CN" dirty="0" smtClean="0"/>
+                        <a:t>2</a:t>
+                      </a:r>
+                      <a:r>
+                        <a:rPr lang="en-US" altLang="zh-CN" baseline="30000" dirty="0" smtClean="0"/>
+                        <a:t>1</a:t>
+                      </a:r>
+                      <a:endParaRPr lang="zh-CN" altLang="en-US" baseline="30000" dirty="0"/>
+                    </a:p>
+                  </a:txBody>
+                  <a:tcPr/>
+                </a:tc>
+                <a:tc>
+                  <a:txBody>
+                    <a:bodyPr/>
+                    <a:lstStyle/>
+                    <a:p>
+                      <a:r>
+                        <a:rPr lang="en-US" altLang="zh-CN" dirty="0" smtClean="0"/>
+                        <a:t>2</a:t>
+                      </a:r>
+                      <a:r>
+                        <a:rPr lang="en-US" altLang="zh-CN" baseline="30000" dirty="0" smtClean="0"/>
+                        <a:t>0</a:t>
+                      </a:r>
+                      <a:endParaRPr lang="zh-CN" altLang="en-US" baseline="30000" dirty="0"/>
+                    </a:p>
+                  </a:txBody>
+                  <a:tcPr/>
+                </a:tc>
+              </a:tr>
+              <a:tr h="370840">
+                <a:tc>
+                  <a:txBody>
+                    <a:bodyPr/>
+                    <a:lstStyle/>
+                    <a:p>
+                      <a:r>
+                        <a:rPr lang="en-US" altLang="zh-CN" dirty="0" smtClean="0"/>
+                        <a:t>2</a:t>
+                      </a:r>
+                      <a:endParaRPr lang="zh-CN" altLang="en-US" dirty="0"/>
+                    </a:p>
+                  </a:txBody>
+                  <a:tcPr/>
+                </a:tc>
+                <a:tc>
+                  <a:txBody>
+                    <a:bodyPr/>
+                    <a:lstStyle/>
+                    <a:p>
+                      <a:r>
+                        <a:rPr lang="zh-CN" altLang="en-US" dirty="0" smtClean="0"/>
+                        <a:t>位权计算</a:t>
+                      </a:r>
+                      <a:endParaRPr lang="zh-CN" altLang="en-US" dirty="0"/>
+                    </a:p>
+                  </a:txBody>
+                  <a:tcPr/>
+                </a:tc>
+                <a:tc>
+                  <a:txBody>
+                    <a:bodyPr/>
+                    <a:lstStyle/>
+                    <a:p>
+                      <a:r>
+                        <a:rPr lang="en-US" altLang="zh-CN" baseline="0" dirty="0" smtClean="0"/>
+                        <a:t>128</a:t>
+                      </a:r>
+                      <a:endParaRPr lang="zh-CN" altLang="en-US" baseline="0" dirty="0"/>
+                    </a:p>
+                  </a:txBody>
+                  <a:tcPr/>
+                </a:tc>
+                <a:tc>
+                  <a:txBody>
+                    <a:bodyPr/>
+                    <a:lstStyle/>
+                    <a:p>
+                      <a:r>
+                        <a:rPr lang="en-US" altLang="zh-CN" baseline="0" dirty="0" smtClean="0"/>
+                        <a:t>64</a:t>
+                      </a:r>
+                      <a:endParaRPr lang="zh-CN" altLang="en-US" baseline="0" dirty="0"/>
+                    </a:p>
+                  </a:txBody>
+                  <a:tcPr/>
+                </a:tc>
+                <a:tc>
+                  <a:txBody>
+                    <a:bodyPr/>
+                    <a:lstStyle/>
+                    <a:p>
+                      <a:r>
+                        <a:rPr lang="en-US" altLang="zh-CN" baseline="0" dirty="0" smtClean="0"/>
+                        <a:t>32</a:t>
+                      </a:r>
+                      <a:endParaRPr lang="zh-CN" altLang="en-US" baseline="0" dirty="0"/>
+                    </a:p>
+                  </a:txBody>
+                  <a:tcPr/>
+                </a:tc>
+                <a:tc>
+                  <a:txBody>
+                    <a:bodyPr/>
+                    <a:lstStyle/>
+                    <a:p>
+                      <a:r>
+                        <a:rPr lang="en-US" altLang="zh-CN" baseline="0" dirty="0" smtClean="0"/>
+                        <a:t>16</a:t>
+                      </a:r>
+                      <a:endParaRPr lang="zh-CN" altLang="en-US" baseline="0" dirty="0"/>
+                    </a:p>
+                  </a:txBody>
+                  <a:tcPr/>
+                </a:tc>
+                <a:tc>
+                  <a:txBody>
+                    <a:bodyPr/>
+                    <a:lstStyle/>
+                    <a:p>
+                      <a:r>
+                        <a:rPr lang="en-US" altLang="zh-CN" baseline="0" dirty="0" smtClean="0"/>
+                        <a:t>8</a:t>
+                      </a:r>
+                      <a:endParaRPr lang="zh-CN" altLang="en-US" baseline="30000" dirty="0"/>
+                    </a:p>
+                  </a:txBody>
+                  <a:tcPr/>
+                </a:tc>
+                <a:tc>
+                  <a:txBody>
+                    <a:bodyPr/>
+                    <a:lstStyle/>
+                    <a:p>
+                      <a:r>
+                        <a:rPr lang="en-US" altLang="zh-CN" baseline="0" dirty="0" smtClean="0"/>
+                        <a:t>4</a:t>
+                      </a:r>
+                      <a:endParaRPr lang="zh-CN" altLang="en-US" baseline="30000" dirty="0"/>
+                    </a:p>
+                  </a:txBody>
+                  <a:tcPr/>
+                </a:tc>
+                <a:tc>
+                  <a:txBody>
+                    <a:bodyPr/>
+                    <a:lstStyle/>
+                    <a:p>
+                      <a:r>
+                        <a:rPr lang="en-US" altLang="zh-CN" baseline="0" dirty="0" smtClean="0"/>
+                        <a:t>2</a:t>
+                      </a:r>
+                      <a:endParaRPr lang="zh-CN" altLang="en-US" baseline="30000" dirty="0"/>
+                    </a:p>
+                  </a:txBody>
+                  <a:tcPr/>
+                </a:tc>
+                <a:tc>
+                  <a:txBody>
+                    <a:bodyPr/>
+                    <a:lstStyle/>
+                    <a:p>
+                      <a:r>
+                        <a:rPr lang="en-US" altLang="zh-CN" baseline="0" dirty="0" smtClean="0"/>
+                        <a:t>1</a:t>
+                      </a:r>
+                      <a:endParaRPr lang="zh-CN" altLang="en-US" baseline="30000" dirty="0"/>
+                    </a:p>
+                  </a:txBody>
+                  <a:tcPr/>
+                </a:tc>
+              </a:tr>
+              <a:tr h="370840">
+                <a:tc>
+                  <a:txBody>
+                    <a:bodyPr/>
+                    <a:lstStyle/>
+                    <a:p>
+                      <a:r>
+                        <a:rPr lang="en-US" altLang="zh-CN" dirty="0" smtClean="0"/>
+                        <a:t>3</a:t>
+                      </a:r>
+                      <a:endParaRPr lang="zh-CN" altLang="en-US" dirty="0"/>
+                    </a:p>
+                  </a:txBody>
+                  <a:tcPr/>
+                </a:tc>
+                <a:tc>
+                  <a:txBody>
+                    <a:bodyPr/>
+                    <a:lstStyle/>
+                    <a:p>
+                      <a:r>
+                        <a:rPr lang="zh-CN" altLang="en-US" dirty="0" smtClean="0"/>
+                        <a:t>按权展开</a:t>
+                      </a:r>
+                      <a:endParaRPr lang="zh-CN" altLang="en-US" dirty="0"/>
+                    </a:p>
+                  </a:txBody>
+                  <a:tcPr/>
+                </a:tc>
+                <a:tc>
+                  <a:txBody>
+                    <a:bodyPr/>
+                    <a:lstStyle/>
+                    <a:p>
+                      <a:r>
+                        <a:rPr lang="en-US" altLang="zh-CN" dirty="0" smtClean="0"/>
+                        <a:t>1</a:t>
+                      </a:r>
+                      <a:r>
+                        <a:rPr lang="zh-CN" altLang="en-US" dirty="0" smtClean="0"/>
+                        <a:t>*</a:t>
+                      </a:r>
+                      <a:r>
+                        <a:rPr lang="en-US" altLang="zh-CN" dirty="0" smtClean="0"/>
+                        <a:t>128</a:t>
+                      </a:r>
+                      <a:endParaRPr lang="zh-CN" altLang="en-US" dirty="0"/>
+                    </a:p>
+                  </a:txBody>
+                  <a:tcPr/>
+                </a:tc>
+                <a:tc>
+                  <a:txBody>
+                    <a:bodyPr/>
+                    <a:lstStyle/>
+                    <a:p>
+                      <a:r>
+                        <a:rPr lang="en-US" altLang="zh-CN" dirty="0" smtClean="0"/>
+                        <a:t>1</a:t>
+                      </a:r>
+                      <a:r>
+                        <a:rPr lang="zh-CN" altLang="en-US" dirty="0" smtClean="0"/>
+                        <a:t>*</a:t>
+                      </a:r>
+                      <a:r>
+                        <a:rPr lang="en-US" altLang="zh-CN" dirty="0" smtClean="0"/>
+                        <a:t>64</a:t>
+                      </a:r>
+                      <a:endParaRPr lang="zh-CN" altLang="en-US" dirty="0"/>
+                    </a:p>
+                  </a:txBody>
+                  <a:tcPr/>
+                </a:tc>
+                <a:tc>
+                  <a:txBody>
+                    <a:bodyPr/>
+                    <a:lstStyle/>
+                    <a:p>
+                      <a:r>
+                        <a:rPr lang="en-US" altLang="zh-CN" dirty="0" smtClean="0"/>
+                        <a:t>1</a:t>
+                      </a:r>
+                      <a:r>
+                        <a:rPr lang="zh-CN" altLang="en-US" dirty="0" smtClean="0"/>
+                        <a:t>*</a:t>
+                      </a:r>
+                      <a:r>
+                        <a:rPr lang="en-US" altLang="zh-CN" dirty="0" smtClean="0"/>
+                        <a:t>32</a:t>
+                      </a:r>
+                      <a:endParaRPr lang="zh-CN" altLang="en-US" dirty="0"/>
+                    </a:p>
+                  </a:txBody>
+                  <a:tcPr/>
+                </a:tc>
+                <a:tc>
+                  <a:txBody>
+                    <a:bodyPr/>
+                    <a:lstStyle/>
+                    <a:p>
+                      <a:r>
+                        <a:rPr lang="en-US" altLang="zh-CN" dirty="0" smtClean="0"/>
+                        <a:t>1</a:t>
+                      </a:r>
+                      <a:r>
+                        <a:rPr lang="zh-CN" altLang="en-US" dirty="0" smtClean="0"/>
+                        <a:t>*</a:t>
+                      </a:r>
+                      <a:r>
+                        <a:rPr lang="en-US" altLang="zh-CN" dirty="0" smtClean="0"/>
+                        <a:t>16</a:t>
+                      </a:r>
+                      <a:endParaRPr lang="zh-CN" altLang="en-US" dirty="0"/>
+                    </a:p>
+                  </a:txBody>
+                  <a:tcPr/>
+                </a:tc>
+                <a:tc>
+                  <a:txBody>
+                    <a:bodyPr/>
+                    <a:lstStyle/>
+                    <a:p>
+                      <a:r>
+                        <a:rPr lang="en-US" altLang="zh-CN" dirty="0" smtClean="0"/>
+                        <a:t>1</a:t>
+                      </a:r>
+                      <a:r>
+                        <a:rPr lang="zh-CN" altLang="en-US" dirty="0" smtClean="0"/>
+                        <a:t>*</a:t>
+                      </a:r>
+                      <a:r>
+                        <a:rPr lang="en-US" altLang="zh-CN" dirty="0" smtClean="0"/>
+                        <a:t>8</a:t>
+                      </a:r>
+                      <a:endParaRPr lang="zh-CN" altLang="en-US" dirty="0"/>
+                    </a:p>
+                  </a:txBody>
+                  <a:tcPr/>
+                </a:tc>
+                <a:tc>
+                  <a:txBody>
+                    <a:bodyPr/>
+                    <a:lstStyle/>
+                    <a:p>
+                      <a:r>
+                        <a:rPr lang="en-US" altLang="zh-CN" dirty="0" smtClean="0"/>
+                        <a:t>0</a:t>
+                      </a:r>
+                      <a:r>
+                        <a:rPr lang="zh-CN" altLang="en-US" dirty="0" smtClean="0"/>
+                        <a:t>*</a:t>
+                      </a:r>
+                      <a:r>
+                        <a:rPr lang="en-US" altLang="zh-CN" dirty="0" smtClean="0"/>
+                        <a:t>4</a:t>
+                      </a:r>
+                      <a:endParaRPr lang="zh-CN" altLang="en-US" dirty="0"/>
+                    </a:p>
+                  </a:txBody>
+                  <a:tcPr/>
+                </a:tc>
+                <a:tc>
+                  <a:txBody>
+                    <a:bodyPr/>
+                    <a:lstStyle/>
+                    <a:p>
+                      <a:r>
+                        <a:rPr lang="en-US" altLang="zh-CN" dirty="0" smtClean="0"/>
+                        <a:t>0</a:t>
+                      </a:r>
+                      <a:r>
+                        <a:rPr lang="zh-CN" altLang="en-US" dirty="0" smtClean="0"/>
+                        <a:t>*</a:t>
+                      </a:r>
+                      <a:r>
+                        <a:rPr lang="en-US" altLang="zh-CN" dirty="0" smtClean="0"/>
+                        <a:t>2</a:t>
+                      </a:r>
+                      <a:endParaRPr lang="zh-CN" altLang="en-US" dirty="0"/>
+                    </a:p>
+                  </a:txBody>
+                  <a:tcPr/>
+                </a:tc>
+                <a:tc>
+                  <a:txBody>
+                    <a:bodyPr/>
+                    <a:lstStyle/>
+                    <a:p>
+                      <a:r>
+                        <a:rPr lang="en-US" altLang="zh-CN" dirty="0" smtClean="0"/>
+                        <a:t>1</a:t>
+                      </a:r>
+                      <a:r>
+                        <a:rPr lang="zh-CN" altLang="en-US" dirty="0" smtClean="0"/>
+                        <a:t>*</a:t>
+                      </a:r>
+                      <a:r>
+                        <a:rPr lang="en-US" altLang="zh-CN" dirty="0" smtClean="0"/>
+                        <a:t>1</a:t>
+                      </a:r>
+                    </a:p>
+                  </a:txBody>
+                  <a:tcPr/>
+                </a:tc>
+              </a:tr>
+              <a:tr h="370840">
+                <a:tc>
+                  <a:txBody>
+                    <a:bodyPr/>
+                    <a:lstStyle/>
+                    <a:p>
+                      <a:r>
+                        <a:rPr lang="en-US" altLang="zh-CN" dirty="0" smtClean="0"/>
+                        <a:t>4</a:t>
+                      </a:r>
+                      <a:endParaRPr lang="zh-CN" altLang="en-US" dirty="0"/>
+                    </a:p>
+                  </a:txBody>
+                  <a:tcPr/>
+                </a:tc>
+                <a:tc>
+                  <a:txBody>
+                    <a:bodyPr/>
+                    <a:lstStyle/>
+                    <a:p>
+                      <a:r>
+                        <a:rPr lang="zh-CN" altLang="en-US" dirty="0" smtClean="0"/>
+                        <a:t>相加十进制</a:t>
+                      </a:r>
+                      <a:endParaRPr lang="zh-CN" altLang="en-US" dirty="0"/>
+                    </a:p>
+                  </a:txBody>
+                  <a:tcPr/>
+                </a:tc>
+                <a:tc gridSpan="8">
+                  <a:txBody>
+                    <a:bodyPr/>
+                    <a:lstStyle/>
+                    <a:p>
+                      <a:r>
+                        <a:rPr lang="en-US" altLang="zh-CN" dirty="0" smtClean="0"/>
+                        <a:t>1</a:t>
+                      </a:r>
+                      <a:r>
+                        <a:rPr lang="zh-CN" altLang="en-US" dirty="0" smtClean="0"/>
+                        <a:t>*</a:t>
+                      </a:r>
+                      <a:r>
+                        <a:rPr lang="en-US" altLang="zh-CN" dirty="0" smtClean="0"/>
+                        <a:t>128 + 1</a:t>
+                      </a:r>
+                      <a:r>
+                        <a:rPr lang="zh-CN" altLang="en-US" dirty="0" smtClean="0"/>
+                        <a:t>*</a:t>
+                      </a:r>
+                      <a:r>
+                        <a:rPr lang="en-US" altLang="zh-CN" dirty="0" smtClean="0"/>
+                        <a:t>64 + 1</a:t>
+                      </a:r>
+                      <a:r>
+                        <a:rPr lang="zh-CN" altLang="en-US" dirty="0" smtClean="0"/>
+                        <a:t>*</a:t>
+                      </a:r>
+                      <a:r>
+                        <a:rPr lang="en-US" altLang="zh-CN" dirty="0" smtClean="0"/>
+                        <a:t>32 + 1</a:t>
+                      </a:r>
+                      <a:r>
+                        <a:rPr lang="zh-CN" altLang="en-US" dirty="0" smtClean="0"/>
+                        <a:t>*</a:t>
+                      </a:r>
+                      <a:r>
+                        <a:rPr lang="en-US" altLang="zh-CN" dirty="0" smtClean="0"/>
+                        <a:t>16 + 1</a:t>
+                      </a:r>
+                      <a:r>
+                        <a:rPr lang="zh-CN" altLang="en-US" dirty="0" smtClean="0"/>
+                        <a:t>*</a:t>
+                      </a:r>
+                      <a:r>
+                        <a:rPr lang="en-US" altLang="zh-CN" dirty="0" smtClean="0"/>
+                        <a:t>8 + 0</a:t>
+                      </a:r>
+                      <a:r>
+                        <a:rPr lang="zh-CN" altLang="en-US" dirty="0" smtClean="0"/>
+                        <a:t>*</a:t>
+                      </a:r>
+                      <a:r>
+                        <a:rPr lang="en-US" altLang="zh-CN" dirty="0" smtClean="0"/>
+                        <a:t>4 + 0</a:t>
+                      </a:r>
+                      <a:r>
+                        <a:rPr lang="zh-CN" altLang="en-US" dirty="0" smtClean="0"/>
+                        <a:t>*</a:t>
+                      </a:r>
+                      <a:r>
+                        <a:rPr lang="en-US" altLang="zh-CN" dirty="0" smtClean="0"/>
+                        <a:t>2 +1</a:t>
+                      </a:r>
+                      <a:r>
+                        <a:rPr lang="zh-CN" altLang="en-US" dirty="0" smtClean="0"/>
+                        <a:t>*</a:t>
+                      </a:r>
+                      <a:r>
+                        <a:rPr lang="en-US" altLang="zh-CN" dirty="0" smtClean="0"/>
+                        <a:t>1 = 249</a:t>
+                      </a:r>
+                      <a:endParaRPr lang="zh-CN" altLang="en-US" dirty="0"/>
+                    </a:p>
+                  </a:txBody>
+                  <a:tcPr/>
+                </a:tc>
+                <a:tc hMerge="1">
+                  <a:txBody>
+                    <a:bodyPr/>
+                    <a:lstStyle/>
+                    <a:p>
+                      <a:endParaRPr lang="zh-CN" altLang="en-US" dirty="0"/>
+                    </a:p>
+                  </a:txBody>
+                  <a:tcPr/>
+                </a:tc>
+                <a:tc hMerge="1">
+                  <a:txBody>
+                    <a:bodyPr/>
+                    <a:lstStyle/>
+                    <a:p>
+                      <a:endParaRPr lang="zh-CN" altLang="en-US" dirty="0"/>
+                    </a:p>
+                  </a:txBody>
+                  <a:tcPr/>
+                </a:tc>
+                <a:tc hMerge="1">
+                  <a:txBody>
+                    <a:bodyPr/>
+                    <a:lstStyle/>
+                    <a:p>
+                      <a:endParaRPr lang="zh-CN" altLang="en-US" dirty="0"/>
+                    </a:p>
+                  </a:txBody>
+                  <a:tcPr/>
+                </a:tc>
+                <a:tc hMerge="1">
+                  <a:txBody>
+                    <a:bodyPr/>
+                    <a:lstStyle/>
+                    <a:p>
+                      <a:endParaRPr lang="zh-CN" altLang="en-US" dirty="0"/>
+                    </a:p>
+                  </a:txBody>
+                  <a:tcPr/>
+                </a:tc>
+                <a:tc hMerge="1">
+                  <a:txBody>
+                    <a:bodyPr/>
+                    <a:lstStyle/>
+                    <a:p>
+                      <a:endParaRPr lang="zh-CN" altLang="en-US" dirty="0"/>
+                    </a:p>
+                  </a:txBody>
+                  <a:tcPr/>
+                </a:tc>
+                <a:tc hMerge="1">
+                  <a:txBody>
+                    <a:bodyPr/>
+                    <a:lstStyle/>
+                    <a:p>
+                      <a:endParaRPr lang="zh-CN" altLang="en-US" dirty="0"/>
+                    </a:p>
+                  </a:txBody>
+                  <a:tcPr/>
+                </a:tc>
+                <a:tc hMerge="1">
+                  <a:txBody>
+                    <a:bodyPr/>
+                    <a:lstStyle/>
+                    <a:p>
+                      <a:endParaRPr lang="en-US" altLang="zh-CN" dirty="0" smtClean="0"/>
+                    </a:p>
+                  </a:txBody>
+                  <a:tcPr/>
+                </a:tc>
+              </a:tr>
+            </a:tbl>
+          </a:graphicData>
+        </a:graphic>
+      </p:graphicFrame>
+      <p:sp>
+        <p:nvSpPr>
+          <p:cNvPr id="11" name="标题 1"/>
+          <p:cNvSpPr txBox="1">
+            <a:spLocks/>
+          </p:cNvSpPr>
+          <p:nvPr/>
         </p:nvSpPr>
         <p:spPr>
           <a:xfrm>
-            <a:off x="609599" y="2160591"/>
-            <a:ext cx="6347714" cy="2132506"/>
+            <a:off x="395536" y="3645024"/>
+            <a:ext cx="6347713" cy="936104"/>
           </a:xfrm>
+          <a:prstGeom prst="rect">
+            <a:avLst/>
+          </a:prstGeom>
         </p:spPr>
         <p:txBody>
-          <a:bodyPr/>
-          <a:lstStyle/>
-          <a:p>
-            <a:r>
-              <a:rPr lang="zh-CN" altLang="en-US" sz="2000" b="1" dirty="0"/>
-              <a:t>将下列式子按权展开，并转换为十进制数</a:t>
-            </a:r>
-          </a:p>
-          <a:p>
-            <a:r>
-              <a:rPr lang="zh-CN" altLang="en-US" sz="2000" dirty="0"/>
+          <a:bodyPr vert="horz" lIns="91440" tIns="45720" rIns="91440" bIns="45720" rtlCol="0" anchor="t">
+            <a:normAutofit/>
+          </a:bodyPr>
+          <a:lstStyle/>
+          <a:p>
+            <a:pPr marL="0" marR="0" lvl="0" indent="0" algn="l" defTabSz="457200" rtl="0" eaLnBrk="1" fontAlgn="auto" latinLnBrk="0" hangingPunct="1">
+              <a:lnSpc>
+                <a:spcPct val="100000"/>
+              </a:lnSpc>
+              <a:spcBef>
+                <a:spcPct val="0"/>
+              </a:spcBef>
+              <a:spcAft>
+                <a:spcPts val="0"/>
+              </a:spcAft>
+              <a:buClrTx/>
+              <a:buSzTx/>
+              <a:buFontTx/>
+              <a:buNone/>
+              <a:tabLst/>
+              <a:defRPr/>
+            </a:pPr>
+            <a:r>
+              <a:rPr kumimoji="0" lang="zh-CN" altLang="en-US" sz="3600" b="0" i="0" u="none" strike="noStrike" kern="1200" cap="none" spc="0" normalizeH="0" baseline="0" noProof="0" dirty="0" smtClean="0">
+                <a:ln>
+                  <a:noFill/>
+                </a:ln>
+                <a:solidFill>
+                  <a:schemeClr val="accent1"/>
+                </a:solidFill>
+                <a:effectLst/>
+                <a:uLnTx/>
+                <a:uFillTx/>
+                <a:latin typeface="+mj-lt"/>
+                <a:ea typeface="+mj-ea"/>
+                <a:cs typeface="+mj-cs"/>
+              </a:rPr>
+              <a:t>十进制到二进制简易换算</a:t>
+            </a:r>
+            <a:endParaRPr kumimoji="0" lang="zh-CN" altLang="en-US" sz="3600" b="0" i="0" u="none" strike="noStrike" kern="1200" cap="none" spc="0" normalizeH="0" baseline="0" noProof="0" dirty="0">
+              <a:ln>
+                <a:noFill/>
+              </a:ln>
+              <a:solidFill>
+                <a:schemeClr val="accent1"/>
+              </a:solidFill>
+              <a:effectLst/>
+              <a:uLnTx/>
+              <a:uFillTx/>
+              <a:latin typeface="+mj-lt"/>
+              <a:ea typeface="+mj-ea"/>
+              <a:cs typeface="+mj-cs"/>
+            </a:endParaRPr>
+          </a:p>
+        </p:txBody>
+      </p:sp>
+      <p:sp>
+        <p:nvSpPr>
+          <p:cNvPr id="12" name="TextBox 11"/>
+          <p:cNvSpPr txBox="1"/>
+          <p:nvPr/>
+        </p:nvSpPr>
+        <p:spPr>
+          <a:xfrm>
+            <a:off x="6516216" y="3933056"/>
+            <a:ext cx="1152128" cy="369332"/>
+          </a:xfrm>
+          <a:prstGeom prst="rect">
+            <a:avLst/>
+          </a:prstGeom>
+          <a:noFill/>
+        </p:spPr>
+        <p:txBody>
+          <a:bodyPr wrap="square" rtlCol="0">
+            <a:spAutoFit/>
+          </a:bodyPr>
+          <a:lstStyle/>
+          <a:p>
+            <a:r>
+              <a:rPr lang="zh-CN" altLang="en-US" dirty="0" smtClean="0"/>
               <a:t>（</a:t>
             </a:r>
             <a:r>
-              <a:rPr lang="en-US" altLang="zh-CN" sz="2000" dirty="0"/>
-              <a:t>111001</a:t>
-            </a:r>
-            <a:r>
-              <a:rPr lang="zh-CN" altLang="en-US" sz="2000" dirty="0"/>
+              <a:rPr lang="en-US" altLang="zh-CN" dirty="0" smtClean="0"/>
+              <a:t>76</a:t>
+            </a:r>
+            <a:r>
+              <a:rPr lang="zh-CN" altLang="en-US" dirty="0" smtClean="0"/>
               <a:t>）</a:t>
             </a:r>
             <a:r>
-              <a:rPr lang="en-US" altLang="zh-CN" sz="2000" baseline="-25000" dirty="0"/>
-              <a:t>2  </a:t>
-            </a:r>
-            <a:r>
-              <a:rPr lang="en-US" altLang="zh-CN" sz="2000" dirty="0"/>
-              <a:t>=</a:t>
-            </a:r>
-            <a:r>
-              <a:rPr lang="zh-CN" altLang="en-US" sz="2000" dirty="0"/>
-              <a:t>（    ）</a:t>
-            </a:r>
-            <a:r>
-              <a:rPr lang="en-US" altLang="zh-CN" sz="2000" baseline="-25000" dirty="0"/>
-              <a:t>10</a:t>
-            </a:r>
-            <a:endParaRPr lang="zh-CN" altLang="en-US" sz="2000" baseline="-25000" dirty="0"/>
-          </a:p>
-          <a:p>
-            <a:r>
-              <a:rPr lang="zh-CN" altLang="en-US" sz="2000" dirty="0"/>
+              <a:rPr lang="en-US" altLang="zh-CN" dirty="0" smtClean="0"/>
+              <a:t>10  </a:t>
+            </a:r>
+            <a:endParaRPr lang="zh-CN" altLang="en-US" dirty="0"/>
+          </a:p>
+        </p:txBody>
+      </p:sp>
+      <p:sp>
+        <p:nvSpPr>
+          <p:cNvPr id="13" name="TextBox 12"/>
+          <p:cNvSpPr txBox="1"/>
+          <p:nvPr/>
+        </p:nvSpPr>
+        <p:spPr>
+          <a:xfrm>
+            <a:off x="683568" y="4293096"/>
+            <a:ext cx="6984776" cy="461665"/>
+          </a:xfrm>
+          <a:prstGeom prst="rect">
+            <a:avLst/>
+          </a:prstGeom>
+          <a:noFill/>
+        </p:spPr>
+        <p:txBody>
+          <a:bodyPr wrap="square" rtlCol="0">
+            <a:spAutoFit/>
+          </a:bodyPr>
+          <a:lstStyle/>
+          <a:p>
+            <a:r>
+              <a:rPr lang="zh-CN" altLang="en-US" sz="2400" dirty="0" smtClean="0"/>
               <a:t>（</a:t>
             </a:r>
             <a:r>
-              <a:rPr lang="en-US" altLang="zh-CN" sz="2000" dirty="0"/>
-              <a:t>4A</a:t>
-            </a:r>
-            <a:r>
-              <a:rPr lang="zh-CN" altLang="en-US" sz="2000" dirty="0"/>
+              <a:rPr lang="en-US" altLang="zh-CN" sz="2400" dirty="0" smtClean="0"/>
+              <a:t>76</a:t>
+            </a:r>
+            <a:r>
+              <a:rPr lang="zh-CN" altLang="en-US" sz="2400" dirty="0" smtClean="0"/>
               <a:t>）</a:t>
             </a:r>
             <a:r>
-              <a:rPr lang="en-US" altLang="zh-CN" sz="2000" baseline="-25000" dirty="0"/>
-              <a:t>16          </a:t>
-            </a:r>
-            <a:r>
-              <a:rPr lang="en-US" altLang="zh-CN" sz="2000" dirty="0"/>
-              <a:t>=</a:t>
-            </a:r>
-            <a:r>
-              <a:rPr lang="zh-CN" altLang="en-US" sz="2000" dirty="0"/>
-              <a:t>（    ）</a:t>
-            </a:r>
-            <a:r>
-              <a:rPr lang="en-US" altLang="zh-CN" sz="2000" baseline="-25000" dirty="0"/>
-              <a:t>10</a:t>
-            </a:r>
-            <a:endParaRPr lang="zh-CN" altLang="en-US" sz="2000" baseline="-25000" dirty="0"/>
-          </a:p>
-          <a:p>
-            <a:r>
-              <a:rPr lang="zh-CN" altLang="en-US" sz="2000" dirty="0"/>
-              <a:t>（</a:t>
-            </a:r>
-            <a:r>
-              <a:rPr lang="en-US" altLang="zh-CN" sz="2000" dirty="0"/>
-              <a:t>345</a:t>
-            </a:r>
-            <a:r>
-              <a:rPr lang="zh-CN" altLang="en-US" sz="2000" dirty="0"/>
-              <a:t>）</a:t>
-            </a:r>
-            <a:r>
-              <a:rPr lang="en-US" altLang="zh-CN" sz="2000" baseline="-25000" dirty="0"/>
-              <a:t>8         </a:t>
-            </a:r>
-            <a:r>
-              <a:rPr lang="en-US" altLang="zh-CN" sz="2000" dirty="0"/>
-              <a:t>=</a:t>
-            </a:r>
-            <a:r>
-              <a:rPr lang="zh-CN" altLang="en-US" sz="2000" dirty="0"/>
-              <a:t>（    ）</a:t>
-            </a:r>
-            <a:r>
-              <a:rPr lang="en-US" altLang="zh-CN" sz="2000" baseline="-25000" dirty="0"/>
-              <a:t>10</a:t>
-            </a:r>
-          </a:p>
-          <a:p>
-            <a:endParaRPr lang="zh-CN" altLang="en-US" dirty="0"/>
+              <a:rPr lang="en-US" altLang="zh-CN" sz="2400" dirty="0" smtClean="0"/>
+              <a:t>10 = 64 + 12 = 64 + 8 + 4 = 2</a:t>
+            </a:r>
+            <a:r>
+              <a:rPr lang="en-US" altLang="zh-CN" sz="2400" baseline="30000" dirty="0" smtClean="0"/>
+              <a:t>6</a:t>
+            </a:r>
+            <a:r>
+              <a:rPr lang="en-US" altLang="zh-CN" sz="2400" dirty="0" smtClean="0"/>
+              <a:t>+2</a:t>
+            </a:r>
+            <a:r>
+              <a:rPr lang="en-US" altLang="zh-CN" sz="2400" baseline="30000" dirty="0" smtClean="0"/>
+              <a:t>3</a:t>
+            </a:r>
+            <a:r>
+              <a:rPr lang="en-US" altLang="zh-CN" sz="2400" dirty="0" smtClean="0"/>
+              <a:t>+2</a:t>
+            </a:r>
+            <a:r>
+              <a:rPr lang="en-US" altLang="zh-CN" sz="2400" baseline="30000" dirty="0" smtClean="0"/>
+              <a:t>2</a:t>
+            </a:r>
+            <a:r>
+              <a:rPr lang="en-US" altLang="zh-CN" sz="2400" dirty="0" smtClean="0"/>
+              <a:t>   </a:t>
+            </a:r>
+            <a:endParaRPr lang="zh-CN" altLang="en-US" sz="2400" dirty="0"/>
+          </a:p>
+        </p:txBody>
+      </p:sp>
+      <p:sp>
+        <p:nvSpPr>
+          <p:cNvPr id="14" name="TextBox 13"/>
+          <p:cNvSpPr txBox="1"/>
+          <p:nvPr/>
+        </p:nvSpPr>
+        <p:spPr>
+          <a:xfrm>
+            <a:off x="827584" y="4725144"/>
+            <a:ext cx="6984776" cy="1938992"/>
+          </a:xfrm>
+          <a:prstGeom prst="rect">
+            <a:avLst/>
+          </a:prstGeom>
+          <a:noFill/>
+        </p:spPr>
+        <p:txBody>
+          <a:bodyPr wrap="square" rtlCol="0">
+            <a:spAutoFit/>
+          </a:bodyPr>
+          <a:lstStyle/>
+          <a:p>
+            <a:r>
+              <a:rPr lang="en-US" altLang="zh-CN" sz="2400" dirty="0" smtClean="0"/>
+              <a:t>1000000 + </a:t>
+            </a:r>
+          </a:p>
+          <a:p>
+            <a:r>
+              <a:rPr lang="en-US" altLang="zh-CN" sz="2400" dirty="0" smtClean="0"/>
+              <a:t>     1000 +</a:t>
+            </a:r>
+          </a:p>
+          <a:p>
+            <a:r>
+              <a:rPr lang="en-US" altLang="zh-CN" sz="2400" dirty="0" smtClean="0"/>
+              <a:t>       100 =</a:t>
+            </a:r>
+          </a:p>
+          <a:p>
+            <a:r>
+              <a:rPr lang="en-US" altLang="zh-CN" sz="2400" dirty="0" smtClean="0"/>
+              <a:t>---------------</a:t>
+            </a:r>
+          </a:p>
+          <a:p>
+            <a:r>
+              <a:rPr lang="en-US" altLang="zh-CN" sz="2400" dirty="0" smtClean="0"/>
+              <a:t>1001100</a:t>
+            </a:r>
+            <a:endParaRPr lang="zh-CN" altLang="en-US" sz="2400" dirty="0"/>
           </a:p>
         </p:txBody>
       </p:sp>
     </p:spTree>
-    <p:extLst>
-      <p:ext uri="{BB962C8B-B14F-4D97-AF65-F5344CB8AC3E}">
-        <p14:creationId xmlns:p14="http://schemas.microsoft.com/office/powerpoint/2010/main" val="1244289679"/>
-      </p:ext>
-    </p:extLst>
   </p:cSld>
   <p:clrMapOvr>
     <a:masterClrMapping/>
   </p:clrMapOvr>
+  <p:timing>
+    <p:tnLst>
+      <p:par>
+        <p:cTn id="1" dur="indefinite" restart="never" nodeType="tmRoot">
+          <p:childTnLst>
+            <p:seq concurrent="1" nextAc="seek">
+              <p:cTn id="2" dur="indefinite" nodeType="mainSeq">
+                <p:childTnLst>
+                  <p:par>
+                    <p:cTn id="3" fill="hold">
+                      <p:stCondLst>
+                        <p:cond delay="indefinite"/>
+                      </p:stCondLst>
+                      <p:childTnLst>
+                        <p:par>
+                          <p:cTn id="4" fill="hold">
+                            <p:stCondLst>
+                              <p:cond delay="0"/>
+                            </p:stCondLst>
+                            <p:childTnLst>
+                              <p:par>
+                                <p:cTn id="5" presetID="4" presetClass="entr" presetSubtype="16" fill="hold" grpId="0" nodeType="clickEffect">
+                                  <p:stCondLst>
+                                    <p:cond delay="0"/>
+                                  </p:stCondLst>
+                                  <p:childTnLst>
+                                    <p:set>
+                                      <p:cBhvr>
+                                        <p:cTn id="6" dur="1" fill="hold">
+                                          <p:stCondLst>
+                                            <p:cond delay="0"/>
+                                          </p:stCondLst>
+                                        </p:cTn>
+                                        <p:tgtEl>
+                                          <p:spTgt spid="13"/>
+                                        </p:tgtEl>
+                                        <p:attrNameLst>
+                                          <p:attrName>style.visibility</p:attrName>
+                                        </p:attrNameLst>
+                                      </p:cBhvr>
+                                      <p:to>
+                                        <p:strVal val="visible"/>
+                                      </p:to>
+                                    </p:set>
+                                    <p:animEffect transition="in" filter="box(in)">
+                                      <p:cBhvr>
+                                        <p:cTn id="7" dur="500"/>
+                                        <p:tgtEl>
+                                          <p:spTgt spid="13"/>
+                                        </p:tgtEl>
+                                      </p:cBhvr>
+                                    </p:animEffect>
+                                  </p:childTnLst>
+                                </p:cTn>
+                              </p:par>
+                            </p:childTnLst>
+                          </p:cTn>
+                        </p:par>
+                      </p:childTnLst>
+                    </p:cTn>
+                  </p:par>
+                  <p:par>
+                    <p:cTn id="8" fill="hold">
+                      <p:stCondLst>
+                        <p:cond delay="indefinite"/>
+                      </p:stCondLst>
+                      <p:childTnLst>
+                        <p:par>
+                          <p:cTn id="9" fill="hold">
+                            <p:stCondLst>
+                              <p:cond delay="0"/>
+                            </p:stCondLst>
+                            <p:childTnLst>
+                              <p:par>
+                                <p:cTn id="10" presetID="4" presetClass="entr" presetSubtype="16" fill="hold" grpId="0" nodeType="clickEffect">
+                                  <p:stCondLst>
+                                    <p:cond delay="0"/>
+                                  </p:stCondLst>
+                                  <p:childTnLst>
+                                    <p:set>
+                                      <p:cBhvr>
+                                        <p:cTn id="11" dur="1" fill="hold">
+                                          <p:stCondLst>
+                                            <p:cond delay="0"/>
+                                          </p:stCondLst>
+                                        </p:cTn>
+                                        <p:tgtEl>
+                                          <p:spTgt spid="14"/>
+                                        </p:tgtEl>
+                                        <p:attrNameLst>
+                                          <p:attrName>style.visibility</p:attrName>
+                                        </p:attrNameLst>
+                                      </p:cBhvr>
+                                      <p:to>
+                                        <p:strVal val="visible"/>
+                                      </p:to>
+                                    </p:set>
+                                    <p:animEffect transition="in" filter="box(in)">
+                                      <p:cBhvr>
+                                        <p:cTn id="12" dur="500"/>
+                                        <p:tgtEl>
+                                          <p:spTgt spid="14"/>
+                                        </p:tgtEl>
+                                      </p:cBhvr>
+                                    </p:animEffect>
+                                  </p:childTnLst>
+                                </p:cTn>
+                              </p:par>
+                            </p:childTnLst>
+                          </p:cTn>
+                        </p:par>
+                      </p:childTnLst>
+                    </p:cTn>
+                  </p:par>
+                </p:childTnLst>
+              </p:cTn>
+              <p:prevCondLst>
+                <p:cond evt="onPrev" delay="0">
+                  <p:tgtEl>
+                    <p:sldTgt/>
+                  </p:tgtEl>
+                </p:cond>
+              </p:prevCondLst>
+              <p:nextCondLst>
+                <p:cond evt="onNext" delay="0">
+                  <p:tgtEl>
+                    <p:sldTgt/>
+                  </p:tgtEl>
+                </p:cond>
+              </p:nextCondLst>
+            </p:seq>
+          </p:childTnLst>
+        </p:cTn>
+      </p:par>
+    </p:tnLst>
+    <p:bldLst>
+      <p:bldP spid="13" grpId="0"/>
+      <p:bldP spid="14" grpId="0"/>
+    </p:bldLst>
+  </p:timing>
 </p:sld>
 </file>
 
@@ -13065,7 +14502,7 @@
     </a:clrScheme>
     <a:fontScheme name="平面">
       <a:majorFont>
-        <a:latin typeface="Trebuchet MS" panose="020B0603020202020204"/>
+        <a:latin typeface="Trebuchet MS"/>
         <a:ea typeface=""/>
         <a:cs typeface=""/>
         <a:font script="Jpan" typeface="メイリオ"/>
@@ -13100,7 +14537,7 @@
         <a:font script="Geor" typeface="Sylfaen"/>
       </a:majorFont>
       <a:minorFont>
-        <a:latin typeface="Trebuchet MS" panose="020B0603020202020204"/>
+        <a:latin typeface="Trebuchet MS"/>
         <a:ea typeface=""/>
         <a:cs typeface=""/>
         <a:font script="Jpan" typeface="メイリオ"/>
@@ -13273,7 +14710,7 @@
   <a:extraClrSchemeLst/>
   <a:extLst>
     <a:ext uri="{05A4C25C-085E-4340-85A3-A5531E510DB2}">
-      <thm15:themeFamily xmlns:thm15="http://schemas.microsoft.com/office/thememl/2012/main" name="Facet" id="{C0C680CD-088A-49FC-A102-D699147F32B2}" vid="{CFBC31BA-B70F-4F30-BCAA-4F3011E16C4D}"/>
+      <thm15:themeFamily xmlns:thm15="http://schemas.microsoft.com/office/thememl/2012/main" xmlns="" name="Facet" id="{C0C680CD-088A-49FC-A102-D699147F32B2}" vid="{CFBC31BA-B70F-4F30-BCAA-4F3011E16C4D}"/>
     </a:ext>
   </a:extLst>
 </a:theme>
